--- a/docs/diagrams/design-diagrams.pptx
+++ b/docs/diagrams/design-diagrams.pptx
@@ -162,7 +162,7 @@
           </a:lstStyle>
           <a:p>
             <a:r>
-              <a:rPr lang="en-US" smtClean="0"/>
+              <a:rPr lang="en-US"/>
               <a:t>Click to edit Master title style</a:t>
             </a:r>
             <a:endParaRPr lang="en-GB"/>
@@ -227,7 +227,7 @@
           </a:lstStyle>
           <a:p>
             <a:r>
-              <a:rPr lang="en-US" smtClean="0"/>
+              <a:rPr lang="en-US"/>
               <a:t>Click to edit Master subtitle style</a:t>
             </a:r>
             <a:endParaRPr lang="en-GB"/>
@@ -251,7 +251,7 @@
           <a:p>
             <a:fld id="{F8042829-7A5E-4E83-9E74-05297A669D13}" type="datetimeFigureOut">
               <a:rPr lang="en-GB" smtClean="0"/>
-              <a:t>04/08/2017</a:t>
+              <a:t>11/04/2019</a:t>
             </a:fld>
             <a:endParaRPr lang="en-GB"/>
           </a:p>
@@ -345,7 +345,7 @@
           <a:lstStyle/>
           <a:p>
             <a:r>
-              <a:rPr lang="en-US" smtClean="0"/>
+              <a:rPr lang="en-US"/>
               <a:t>Click to edit Master title style</a:t>
             </a:r>
             <a:endParaRPr lang="en-GB"/>
@@ -369,35 +369,35 @@
           <a:p>
             <a:pPr lvl="0"/>
             <a:r>
-              <a:rPr lang="en-US" smtClean="0"/>
+              <a:rPr lang="en-US"/>
               <a:t>Edit Master text styles</a:t>
             </a:r>
           </a:p>
           <a:p>
             <a:pPr lvl="1"/>
             <a:r>
-              <a:rPr lang="en-US" smtClean="0"/>
+              <a:rPr lang="en-US"/>
               <a:t>Second level</a:t>
             </a:r>
           </a:p>
           <a:p>
             <a:pPr lvl="2"/>
             <a:r>
-              <a:rPr lang="en-US" smtClean="0"/>
+              <a:rPr lang="en-US"/>
               <a:t>Third level</a:t>
             </a:r>
           </a:p>
           <a:p>
             <a:pPr lvl="3"/>
             <a:r>
-              <a:rPr lang="en-US" smtClean="0"/>
+              <a:rPr lang="en-US"/>
               <a:t>Fourth level</a:t>
             </a:r>
           </a:p>
           <a:p>
             <a:pPr lvl="4"/>
             <a:r>
-              <a:rPr lang="en-US" smtClean="0"/>
+              <a:rPr lang="en-US"/>
               <a:t>Fifth level</a:t>
             </a:r>
             <a:endParaRPr lang="en-GB"/>
@@ -421,7 +421,7 @@
           <a:p>
             <a:fld id="{F8042829-7A5E-4E83-9E74-05297A669D13}" type="datetimeFigureOut">
               <a:rPr lang="en-GB" smtClean="0"/>
-              <a:t>04/08/2017</a:t>
+              <a:t>11/04/2019</a:t>
             </a:fld>
             <a:endParaRPr lang="en-GB"/>
           </a:p>
@@ -520,7 +520,7 @@
           <a:lstStyle/>
           <a:p>
             <a:r>
-              <a:rPr lang="en-US" smtClean="0"/>
+              <a:rPr lang="en-US"/>
               <a:t>Click to edit Master title style</a:t>
             </a:r>
             <a:endParaRPr lang="en-GB"/>
@@ -549,35 +549,35 @@
           <a:p>
             <a:pPr lvl="0"/>
             <a:r>
-              <a:rPr lang="en-US" smtClean="0"/>
+              <a:rPr lang="en-US"/>
               <a:t>Edit Master text styles</a:t>
             </a:r>
           </a:p>
           <a:p>
             <a:pPr lvl="1"/>
             <a:r>
-              <a:rPr lang="en-US" smtClean="0"/>
+              <a:rPr lang="en-US"/>
               <a:t>Second level</a:t>
             </a:r>
           </a:p>
           <a:p>
             <a:pPr lvl="2"/>
             <a:r>
-              <a:rPr lang="en-US" smtClean="0"/>
+              <a:rPr lang="en-US"/>
               <a:t>Third level</a:t>
             </a:r>
           </a:p>
           <a:p>
             <a:pPr lvl="3"/>
             <a:r>
-              <a:rPr lang="en-US" smtClean="0"/>
+              <a:rPr lang="en-US"/>
               <a:t>Fourth level</a:t>
             </a:r>
           </a:p>
           <a:p>
             <a:pPr lvl="4"/>
             <a:r>
-              <a:rPr lang="en-US" smtClean="0"/>
+              <a:rPr lang="en-US"/>
               <a:t>Fifth level</a:t>
             </a:r>
             <a:endParaRPr lang="en-GB"/>
@@ -601,7 +601,7 @@
           <a:p>
             <a:fld id="{F8042829-7A5E-4E83-9E74-05297A669D13}" type="datetimeFigureOut">
               <a:rPr lang="en-GB" smtClean="0"/>
-              <a:t>04/08/2017</a:t>
+              <a:t>11/04/2019</a:t>
             </a:fld>
             <a:endParaRPr lang="en-GB"/>
           </a:p>
@@ -695,7 +695,7 @@
           <a:lstStyle/>
           <a:p>
             <a:r>
-              <a:rPr lang="en-US" smtClean="0"/>
+              <a:rPr lang="en-US"/>
               <a:t>Click to edit Master title style</a:t>
             </a:r>
             <a:endParaRPr lang="en-GB"/>
@@ -719,35 +719,35 @@
           <a:p>
             <a:pPr lvl="0"/>
             <a:r>
-              <a:rPr lang="en-US" smtClean="0"/>
+              <a:rPr lang="en-US"/>
               <a:t>Edit Master text styles</a:t>
             </a:r>
           </a:p>
           <a:p>
             <a:pPr lvl="1"/>
             <a:r>
-              <a:rPr lang="en-US" smtClean="0"/>
+              <a:rPr lang="en-US"/>
               <a:t>Second level</a:t>
             </a:r>
           </a:p>
           <a:p>
             <a:pPr lvl="2"/>
             <a:r>
-              <a:rPr lang="en-US" smtClean="0"/>
+              <a:rPr lang="en-US"/>
               <a:t>Third level</a:t>
             </a:r>
           </a:p>
           <a:p>
             <a:pPr lvl="3"/>
             <a:r>
-              <a:rPr lang="en-US" smtClean="0"/>
+              <a:rPr lang="en-US"/>
               <a:t>Fourth level</a:t>
             </a:r>
           </a:p>
           <a:p>
             <a:pPr lvl="4"/>
             <a:r>
-              <a:rPr lang="en-US" smtClean="0"/>
+              <a:rPr lang="en-US"/>
               <a:t>Fifth level</a:t>
             </a:r>
             <a:endParaRPr lang="en-GB"/>
@@ -771,7 +771,7 @@
           <a:p>
             <a:fld id="{F8042829-7A5E-4E83-9E74-05297A669D13}" type="datetimeFigureOut">
               <a:rPr lang="en-GB" smtClean="0"/>
-              <a:t>04/08/2017</a:t>
+              <a:t>11/04/2019</a:t>
             </a:fld>
             <a:endParaRPr lang="en-GB"/>
           </a:p>
@@ -874,7 +874,7 @@
           </a:lstStyle>
           <a:p>
             <a:r>
-              <a:rPr lang="en-US" smtClean="0"/>
+              <a:rPr lang="en-US"/>
               <a:t>Click to edit Master title style</a:t>
             </a:r>
             <a:endParaRPr lang="en-GB"/>
@@ -994,7 +994,7 @@
           <a:p>
             <a:pPr lvl="0"/>
             <a:r>
-              <a:rPr lang="en-US" smtClean="0"/>
+              <a:rPr lang="en-US"/>
               <a:t>Edit Master text styles</a:t>
             </a:r>
           </a:p>
@@ -1017,7 +1017,7 @@
           <a:p>
             <a:fld id="{F8042829-7A5E-4E83-9E74-05297A669D13}" type="datetimeFigureOut">
               <a:rPr lang="en-GB" smtClean="0"/>
-              <a:t>04/08/2017</a:t>
+              <a:t>11/04/2019</a:t>
             </a:fld>
             <a:endParaRPr lang="en-GB"/>
           </a:p>
@@ -1111,7 +1111,7 @@
           <a:lstStyle/>
           <a:p>
             <a:r>
-              <a:rPr lang="en-US" smtClean="0"/>
+              <a:rPr lang="en-US"/>
               <a:t>Click to edit Master title style</a:t>
             </a:r>
             <a:endParaRPr lang="en-GB"/>
@@ -1140,35 +1140,35 @@
           <a:p>
             <a:pPr lvl="0"/>
             <a:r>
-              <a:rPr lang="en-US" smtClean="0"/>
+              <a:rPr lang="en-US"/>
               <a:t>Edit Master text styles</a:t>
             </a:r>
           </a:p>
           <a:p>
             <a:pPr lvl="1"/>
             <a:r>
-              <a:rPr lang="en-US" smtClean="0"/>
+              <a:rPr lang="en-US"/>
               <a:t>Second level</a:t>
             </a:r>
           </a:p>
           <a:p>
             <a:pPr lvl="2"/>
             <a:r>
-              <a:rPr lang="en-US" smtClean="0"/>
+              <a:rPr lang="en-US"/>
               <a:t>Third level</a:t>
             </a:r>
           </a:p>
           <a:p>
             <a:pPr lvl="3"/>
             <a:r>
-              <a:rPr lang="en-US" smtClean="0"/>
+              <a:rPr lang="en-US"/>
               <a:t>Fourth level</a:t>
             </a:r>
           </a:p>
           <a:p>
             <a:pPr lvl="4"/>
             <a:r>
-              <a:rPr lang="en-US" smtClean="0"/>
+              <a:rPr lang="en-US"/>
               <a:t>Fifth level</a:t>
             </a:r>
             <a:endParaRPr lang="en-GB"/>
@@ -1197,35 +1197,35 @@
           <a:p>
             <a:pPr lvl="0"/>
             <a:r>
-              <a:rPr lang="en-US" smtClean="0"/>
+              <a:rPr lang="en-US"/>
               <a:t>Edit Master text styles</a:t>
             </a:r>
           </a:p>
           <a:p>
             <a:pPr lvl="1"/>
             <a:r>
-              <a:rPr lang="en-US" smtClean="0"/>
+              <a:rPr lang="en-US"/>
               <a:t>Second level</a:t>
             </a:r>
           </a:p>
           <a:p>
             <a:pPr lvl="2"/>
             <a:r>
-              <a:rPr lang="en-US" smtClean="0"/>
+              <a:rPr lang="en-US"/>
               <a:t>Third level</a:t>
             </a:r>
           </a:p>
           <a:p>
             <a:pPr lvl="3"/>
             <a:r>
-              <a:rPr lang="en-US" smtClean="0"/>
+              <a:rPr lang="en-US"/>
               <a:t>Fourth level</a:t>
             </a:r>
           </a:p>
           <a:p>
             <a:pPr lvl="4"/>
             <a:r>
-              <a:rPr lang="en-US" smtClean="0"/>
+              <a:rPr lang="en-US"/>
               <a:t>Fifth level</a:t>
             </a:r>
             <a:endParaRPr lang="en-GB"/>
@@ -1249,7 +1249,7 @@
           <a:p>
             <a:fld id="{F8042829-7A5E-4E83-9E74-05297A669D13}" type="datetimeFigureOut">
               <a:rPr lang="en-GB" smtClean="0"/>
-              <a:t>04/08/2017</a:t>
+              <a:t>11/04/2019</a:t>
             </a:fld>
             <a:endParaRPr lang="en-GB"/>
           </a:p>
@@ -1348,7 +1348,7 @@
           <a:lstStyle/>
           <a:p>
             <a:r>
-              <a:rPr lang="en-US" smtClean="0"/>
+              <a:rPr lang="en-US"/>
               <a:t>Click to edit Master title style</a:t>
             </a:r>
             <a:endParaRPr lang="en-GB"/>
@@ -1414,7 +1414,7 @@
           <a:p>
             <a:pPr lvl="0"/>
             <a:r>
-              <a:rPr lang="en-US" smtClean="0"/>
+              <a:rPr lang="en-US"/>
               <a:t>Edit Master text styles</a:t>
             </a:r>
           </a:p>
@@ -1442,35 +1442,35 @@
           <a:p>
             <a:pPr lvl="0"/>
             <a:r>
-              <a:rPr lang="en-US" smtClean="0"/>
+              <a:rPr lang="en-US"/>
               <a:t>Edit Master text styles</a:t>
             </a:r>
           </a:p>
           <a:p>
             <a:pPr lvl="1"/>
             <a:r>
-              <a:rPr lang="en-US" smtClean="0"/>
+              <a:rPr lang="en-US"/>
               <a:t>Second level</a:t>
             </a:r>
           </a:p>
           <a:p>
             <a:pPr lvl="2"/>
             <a:r>
-              <a:rPr lang="en-US" smtClean="0"/>
+              <a:rPr lang="en-US"/>
               <a:t>Third level</a:t>
             </a:r>
           </a:p>
           <a:p>
             <a:pPr lvl="3"/>
             <a:r>
-              <a:rPr lang="en-US" smtClean="0"/>
+              <a:rPr lang="en-US"/>
               <a:t>Fourth level</a:t>
             </a:r>
           </a:p>
           <a:p>
             <a:pPr lvl="4"/>
             <a:r>
-              <a:rPr lang="en-US" smtClean="0"/>
+              <a:rPr lang="en-US"/>
               <a:t>Fifth level</a:t>
             </a:r>
             <a:endParaRPr lang="en-GB"/>
@@ -1536,7 +1536,7 @@
           <a:p>
             <a:pPr lvl="0"/>
             <a:r>
-              <a:rPr lang="en-US" smtClean="0"/>
+              <a:rPr lang="en-US"/>
               <a:t>Edit Master text styles</a:t>
             </a:r>
           </a:p>
@@ -1564,35 +1564,35 @@
           <a:p>
             <a:pPr lvl="0"/>
             <a:r>
-              <a:rPr lang="en-US" smtClean="0"/>
+              <a:rPr lang="en-US"/>
               <a:t>Edit Master text styles</a:t>
             </a:r>
           </a:p>
           <a:p>
             <a:pPr lvl="1"/>
             <a:r>
-              <a:rPr lang="en-US" smtClean="0"/>
+              <a:rPr lang="en-US"/>
               <a:t>Second level</a:t>
             </a:r>
           </a:p>
           <a:p>
             <a:pPr lvl="2"/>
             <a:r>
-              <a:rPr lang="en-US" smtClean="0"/>
+              <a:rPr lang="en-US"/>
               <a:t>Third level</a:t>
             </a:r>
           </a:p>
           <a:p>
             <a:pPr lvl="3"/>
             <a:r>
-              <a:rPr lang="en-US" smtClean="0"/>
+              <a:rPr lang="en-US"/>
               <a:t>Fourth level</a:t>
             </a:r>
           </a:p>
           <a:p>
             <a:pPr lvl="4"/>
             <a:r>
-              <a:rPr lang="en-US" smtClean="0"/>
+              <a:rPr lang="en-US"/>
               <a:t>Fifth level</a:t>
             </a:r>
             <a:endParaRPr lang="en-GB"/>
@@ -1616,7 +1616,7 @@
           <a:p>
             <a:fld id="{F8042829-7A5E-4E83-9E74-05297A669D13}" type="datetimeFigureOut">
               <a:rPr lang="en-GB" smtClean="0"/>
-              <a:t>04/08/2017</a:t>
+              <a:t>11/04/2019</a:t>
             </a:fld>
             <a:endParaRPr lang="en-GB"/>
           </a:p>
@@ -1710,7 +1710,7 @@
           <a:lstStyle/>
           <a:p>
             <a:r>
-              <a:rPr lang="en-US" smtClean="0"/>
+              <a:rPr lang="en-US"/>
               <a:t>Click to edit Master title style</a:t>
             </a:r>
             <a:endParaRPr lang="en-GB"/>
@@ -1734,7 +1734,7 @@
           <a:p>
             <a:fld id="{F8042829-7A5E-4E83-9E74-05297A669D13}" type="datetimeFigureOut">
               <a:rPr lang="en-GB" smtClean="0"/>
-              <a:t>04/08/2017</a:t>
+              <a:t>11/04/2019</a:t>
             </a:fld>
             <a:endParaRPr lang="en-GB"/>
           </a:p>
@@ -1829,7 +1829,7 @@
           <a:p>
             <a:fld id="{F8042829-7A5E-4E83-9E74-05297A669D13}" type="datetimeFigureOut">
               <a:rPr lang="en-GB" smtClean="0"/>
-              <a:t>04/08/2017</a:t>
+              <a:t>11/04/2019</a:t>
             </a:fld>
             <a:endParaRPr lang="en-GB"/>
           </a:p>
@@ -1932,7 +1932,7 @@
           </a:lstStyle>
           <a:p>
             <a:r>
-              <a:rPr lang="en-US" smtClean="0"/>
+              <a:rPr lang="en-US"/>
               <a:t>Click to edit Master title style</a:t>
             </a:r>
             <a:endParaRPr lang="en-GB"/>
@@ -1989,35 +1989,35 @@
           <a:p>
             <a:pPr lvl="0"/>
             <a:r>
-              <a:rPr lang="en-US" smtClean="0"/>
+              <a:rPr lang="en-US"/>
               <a:t>Edit Master text styles</a:t>
             </a:r>
           </a:p>
           <a:p>
             <a:pPr lvl="1"/>
             <a:r>
-              <a:rPr lang="en-US" smtClean="0"/>
+              <a:rPr lang="en-US"/>
               <a:t>Second level</a:t>
             </a:r>
           </a:p>
           <a:p>
             <a:pPr lvl="2"/>
             <a:r>
-              <a:rPr lang="en-US" smtClean="0"/>
+              <a:rPr lang="en-US"/>
               <a:t>Third level</a:t>
             </a:r>
           </a:p>
           <a:p>
             <a:pPr lvl="3"/>
             <a:r>
-              <a:rPr lang="en-US" smtClean="0"/>
+              <a:rPr lang="en-US"/>
               <a:t>Fourth level</a:t>
             </a:r>
           </a:p>
           <a:p>
             <a:pPr lvl="4"/>
             <a:r>
-              <a:rPr lang="en-US" smtClean="0"/>
+              <a:rPr lang="en-US"/>
               <a:t>Fifth level</a:t>
             </a:r>
             <a:endParaRPr lang="en-GB"/>
@@ -2083,7 +2083,7 @@
           <a:p>
             <a:pPr lvl="0"/>
             <a:r>
-              <a:rPr lang="en-US" smtClean="0"/>
+              <a:rPr lang="en-US"/>
               <a:t>Edit Master text styles</a:t>
             </a:r>
           </a:p>
@@ -2106,7 +2106,7 @@
           <a:p>
             <a:fld id="{F8042829-7A5E-4E83-9E74-05297A669D13}" type="datetimeFigureOut">
               <a:rPr lang="en-GB" smtClean="0"/>
-              <a:t>04/08/2017</a:t>
+              <a:t>11/04/2019</a:t>
             </a:fld>
             <a:endParaRPr lang="en-GB"/>
           </a:p>
@@ -2209,7 +2209,7 @@
           </a:lstStyle>
           <a:p>
             <a:r>
-              <a:rPr lang="en-US" smtClean="0"/>
+              <a:rPr lang="en-US"/>
               <a:t>Click to edit Master title style</a:t>
             </a:r>
             <a:endParaRPr lang="en-GB"/>
@@ -2336,7 +2336,7 @@
           <a:p>
             <a:pPr lvl="0"/>
             <a:r>
-              <a:rPr lang="en-US" smtClean="0"/>
+              <a:rPr lang="en-US"/>
               <a:t>Edit Master text styles</a:t>
             </a:r>
           </a:p>
@@ -2359,7 +2359,7 @@
           <a:p>
             <a:fld id="{F8042829-7A5E-4E83-9E74-05297A669D13}" type="datetimeFigureOut">
               <a:rPr lang="en-GB" smtClean="0"/>
-              <a:t>04/08/2017</a:t>
+              <a:t>11/04/2019</a:t>
             </a:fld>
             <a:endParaRPr lang="en-GB"/>
           </a:p>
@@ -2468,7 +2468,7 @@
           <a:lstStyle/>
           <a:p>
             <a:r>
-              <a:rPr lang="en-US" smtClean="0"/>
+              <a:rPr lang="en-US"/>
               <a:t>Click to edit Master title style</a:t>
             </a:r>
             <a:endParaRPr lang="en-GB"/>
@@ -2502,35 +2502,35 @@
           <a:p>
             <a:pPr lvl="0"/>
             <a:r>
-              <a:rPr lang="en-US" smtClean="0"/>
+              <a:rPr lang="en-US"/>
               <a:t>Edit Master text styles</a:t>
             </a:r>
           </a:p>
           <a:p>
             <a:pPr lvl="1"/>
             <a:r>
-              <a:rPr lang="en-US" smtClean="0"/>
+              <a:rPr lang="en-US"/>
               <a:t>Second level</a:t>
             </a:r>
           </a:p>
           <a:p>
             <a:pPr lvl="2"/>
             <a:r>
-              <a:rPr lang="en-US" smtClean="0"/>
+              <a:rPr lang="en-US"/>
               <a:t>Third level</a:t>
             </a:r>
           </a:p>
           <a:p>
             <a:pPr lvl="3"/>
             <a:r>
-              <a:rPr lang="en-US" smtClean="0"/>
+              <a:rPr lang="en-US"/>
               <a:t>Fourth level</a:t>
             </a:r>
           </a:p>
           <a:p>
             <a:pPr lvl="4"/>
             <a:r>
-              <a:rPr lang="en-US" smtClean="0"/>
+              <a:rPr lang="en-US"/>
               <a:t>Fifth level</a:t>
             </a:r>
             <a:endParaRPr lang="en-GB"/>
@@ -2572,7 +2572,7 @@
           <a:p>
             <a:fld id="{F8042829-7A5E-4E83-9E74-05297A669D13}" type="datetimeFigureOut">
               <a:rPr lang="en-GB" smtClean="0"/>
-              <a:t>04/08/2017</a:t>
+              <a:t>11/04/2019</a:t>
             </a:fld>
             <a:endParaRPr lang="en-GB"/>
           </a:p>
@@ -3013,7 +3013,7 @@
           <a:p>
             <a:pPr algn="ctr"/>
             <a:r>
-              <a:rPr lang="en-GB" dirty="0" smtClean="0">
+              <a:rPr lang="en-GB" dirty="0">
                 <a:solidFill>
                   <a:schemeClr val="accent1">
                     <a:lumMod val="75000"/>
@@ -3022,13 +3022,6 @@
               </a:rPr>
               <a:t>Web browser</a:t>
             </a:r>
-            <a:endParaRPr lang="en-GB" dirty="0">
-              <a:solidFill>
-                <a:schemeClr val="accent1">
-                  <a:lumMod val="75000"/>
-                </a:schemeClr>
-              </a:solidFill>
-            </a:endParaRPr>
           </a:p>
         </p:txBody>
       </p:sp>
@@ -3068,7 +3061,7 @@
           <a:p>
             <a:pPr algn="ctr"/>
             <a:r>
-              <a:rPr lang="en-GB" dirty="0" smtClean="0">
+              <a:rPr lang="en-GB" dirty="0">
                 <a:solidFill>
                   <a:schemeClr val="accent2">
                     <a:lumMod val="75000"/>
@@ -3077,13 +3070,6 @@
               </a:rPr>
               <a:t>Python3 process</a:t>
             </a:r>
-            <a:endParaRPr lang="en-GB" dirty="0">
-              <a:solidFill>
-                <a:schemeClr val="accent2">
-                  <a:lumMod val="75000"/>
-                </a:schemeClr>
-              </a:solidFill>
-            </a:endParaRPr>
           </a:p>
         </p:txBody>
       </p:sp>
@@ -3137,7 +3123,7 @@
           <a:p>
             <a:pPr algn="ctr"/>
             <a:r>
-              <a:rPr lang="en-GB" dirty="0" err="1" smtClean="0">
+              <a:rPr lang="en-GB" dirty="0" err="1">
                 <a:solidFill>
                   <a:schemeClr val="accent6">
                     <a:lumMod val="50000"/>
@@ -3187,18 +3173,13 @@
           <a:p>
             <a:pPr algn="ctr"/>
             <a:r>
-              <a:rPr lang="en-GB" dirty="0" smtClean="0">
+              <a:rPr lang="en-GB" dirty="0">
                 <a:solidFill>
                   <a:schemeClr val="bg1"/>
                 </a:solidFill>
               </a:rPr>
               <a:t>Client code (Elm)</a:t>
             </a:r>
-            <a:endParaRPr lang="en-GB" dirty="0">
-              <a:solidFill>
-                <a:schemeClr val="bg1"/>
-              </a:solidFill>
-            </a:endParaRPr>
           </a:p>
         </p:txBody>
       </p:sp>
@@ -3231,18 +3212,13 @@
           <a:p>
             <a:pPr algn="ctr"/>
             <a:r>
-              <a:rPr lang="en-GB" dirty="0" smtClean="0">
+              <a:rPr lang="en-GB" dirty="0">
                 <a:solidFill>
                   <a:schemeClr val="bg1"/>
                 </a:solidFill>
               </a:rPr>
               <a:t>Server code (Python)</a:t>
             </a:r>
-            <a:endParaRPr lang="en-GB" dirty="0">
-              <a:solidFill>
-                <a:schemeClr val="bg1"/>
-              </a:solidFill>
-            </a:endParaRPr>
           </a:p>
         </p:txBody>
       </p:sp>
@@ -3311,7 +3287,7 @@
           <a:lstStyle/>
           <a:p>
             <a:r>
-              <a:rPr lang="en-GB" dirty="0" smtClean="0">
+              <a:rPr lang="en-GB" dirty="0">
                 <a:solidFill>
                   <a:schemeClr val="accent1">
                     <a:lumMod val="50000"/>
@@ -3320,13 +3296,6 @@
               </a:rPr>
               <a:t>User</a:t>
             </a:r>
-            <a:endParaRPr lang="en-GB" dirty="0">
-              <a:solidFill>
-                <a:schemeClr val="accent1">
-                  <a:lumMod val="50000"/>
-                </a:schemeClr>
-              </a:solidFill>
-            </a:endParaRPr>
           </a:p>
         </p:txBody>
       </p:sp>
@@ -3512,7 +3481,7 @@
           <a:p>
             <a:pPr algn="ctr"/>
             <a:r>
-              <a:rPr lang="en-GB" dirty="0" smtClean="0">
+              <a:rPr lang="en-GB" dirty="0">
                 <a:solidFill>
                   <a:schemeClr val="accent2">
                     <a:lumMod val="75000"/>
@@ -3522,7 +3491,7 @@
               <a:t>Other services (</a:t>
             </a:r>
             <a:r>
-              <a:rPr lang="en-GB" dirty="0" err="1" smtClean="0">
+              <a:rPr lang="en-GB" dirty="0" err="1">
                 <a:solidFill>
                   <a:schemeClr val="accent2">
                     <a:lumMod val="75000"/>
@@ -3530,26 +3499,6 @@
                 </a:solidFill>
               </a:rPr>
               <a:t>eg</a:t>
-            </a:r>
-            <a:endParaRPr lang="en-GB" dirty="0" smtClean="0">
-              <a:solidFill>
-                <a:schemeClr val="accent2">
-                  <a:lumMod val="75000"/>
-                </a:schemeClr>
-              </a:solidFill>
-            </a:endParaRPr>
-          </a:p>
-          <a:p>
-            <a:pPr algn="ctr"/>
-            <a:r>
-              <a:rPr lang="en-GB" dirty="0" smtClean="0">
-                <a:solidFill>
-                  <a:schemeClr val="accent2">
-                    <a:lumMod val="75000"/>
-                  </a:schemeClr>
-                </a:solidFill>
-              </a:rPr>
-              <a:t>router connections)</a:t>
             </a:r>
             <a:endParaRPr lang="en-GB" dirty="0">
               <a:solidFill>
@@ -3558,6 +3507,19 @@
                 </a:schemeClr>
               </a:solidFill>
             </a:endParaRPr>
+          </a:p>
+          <a:p>
+            <a:pPr algn="ctr"/>
+            <a:r>
+              <a:rPr lang="en-GB" dirty="0">
+                <a:solidFill>
+                  <a:schemeClr val="accent2">
+                    <a:lumMod val="75000"/>
+                  </a:schemeClr>
+                </a:solidFill>
+              </a:rPr>
+              <a:t>router connections)</a:t>
+            </a:r>
           </a:p>
         </p:txBody>
       </p:sp>
@@ -3571,13 +3533,6 @@
   <p:clrMapOvr>
     <a:masterClrMapping/>
   </p:clrMapOvr>
-  <p:timing>
-    <p:tnLst>
-      <p:par>
-        <p:cTn id="1" dur="indefinite" restart="never" nodeType="tmRoot"/>
-      </p:par>
-    </p:tnLst>
-  </p:timing>
 </p:sld>
 </file>
 
@@ -3633,7 +3588,7 @@
           <a:lstStyle/>
           <a:p>
             <a:r>
-              <a:rPr lang="en-GB" dirty="0" smtClean="0">
+              <a:rPr lang="en-GB" dirty="0">
                 <a:solidFill>
                   <a:schemeClr val="accent2">
                     <a:lumMod val="50000"/>
@@ -3642,13 +3597,6 @@
               </a:rPr>
               <a:t>Server</a:t>
             </a:r>
-            <a:endParaRPr lang="en-GB" dirty="0">
-              <a:solidFill>
-                <a:schemeClr val="accent2">
-                  <a:lumMod val="50000"/>
-                </a:schemeClr>
-              </a:solidFill>
-            </a:endParaRPr>
           </a:p>
         </p:txBody>
       </p:sp>
@@ -3702,7 +3650,7 @@
           <a:p>
             <a:pPr algn="ctr"/>
             <a:r>
-              <a:rPr lang="en-GB" dirty="0" err="1" smtClean="0">
+              <a:rPr lang="en-GB" dirty="0" err="1">
                 <a:solidFill>
                   <a:schemeClr val="accent6">
                     <a:lumMod val="50000"/>
@@ -3752,18 +3700,13 @@
           <a:p>
             <a:pPr algn="ctr"/>
             <a:r>
-              <a:rPr lang="en-GB" dirty="0" smtClean="0">
+              <a:rPr lang="en-GB" dirty="0">
                 <a:solidFill>
                   <a:schemeClr val="bg1"/>
                 </a:solidFill>
               </a:rPr>
               <a:t>Client</a:t>
             </a:r>
-            <a:endParaRPr lang="en-GB" dirty="0">
-              <a:solidFill>
-                <a:schemeClr val="bg1"/>
-              </a:solidFill>
-            </a:endParaRPr>
           </a:p>
         </p:txBody>
       </p:sp>
@@ -3815,7 +3758,7 @@
           <a:p>
             <a:pPr algn="ctr"/>
             <a:r>
-              <a:rPr lang="en-GB" sz="1400" dirty="0" err="1" smtClean="0">
+              <a:rPr lang="en-GB" sz="1400" dirty="0" err="1">
                 <a:solidFill>
                   <a:schemeClr val="accent2">
                     <a:lumMod val="50000"/>
@@ -3825,7 +3768,7 @@
               <a:t>Websocket</a:t>
             </a:r>
             <a:r>
-              <a:rPr lang="en-GB" sz="1400" dirty="0" smtClean="0">
+              <a:rPr lang="en-GB" sz="1400" dirty="0">
                 <a:solidFill>
                   <a:schemeClr val="accent2">
                     <a:lumMod val="50000"/>
@@ -3838,7 +3781,7 @@
           <a:p>
             <a:pPr algn="ctr"/>
             <a:r>
-              <a:rPr lang="en-GB" sz="1400" dirty="0" smtClean="0">
+              <a:rPr lang="en-GB" sz="1400" dirty="0">
                 <a:solidFill>
                   <a:schemeClr val="accent2">
                     <a:lumMod val="50000"/>
@@ -3847,13 +3790,6 @@
               </a:rPr>
               <a:t>handler</a:t>
             </a:r>
-            <a:endParaRPr lang="en-GB" sz="1400" dirty="0">
-              <a:solidFill>
-                <a:schemeClr val="accent2">
-                  <a:lumMod val="50000"/>
-                </a:schemeClr>
-              </a:solidFill>
-            </a:endParaRPr>
           </a:p>
         </p:txBody>
       </p:sp>
@@ -3905,7 +3841,7 @@
           <a:p>
             <a:pPr algn="ctr"/>
             <a:r>
-              <a:rPr lang="en-GB" sz="1400" dirty="0" smtClean="0">
+              <a:rPr lang="en-GB" sz="1400" dirty="0">
                 <a:solidFill>
                   <a:schemeClr val="accent2">
                     <a:lumMod val="50000"/>
@@ -3914,13 +3850,6 @@
               </a:rPr>
               <a:t>Feature1</a:t>
             </a:r>
-            <a:endParaRPr lang="en-GB" sz="1400" dirty="0">
-              <a:solidFill>
-                <a:schemeClr val="accent2">
-                  <a:lumMod val="50000"/>
-                </a:schemeClr>
-              </a:solidFill>
-            </a:endParaRPr>
           </a:p>
         </p:txBody>
       </p:sp>
@@ -3972,7 +3901,7 @@
           <a:p>
             <a:pPr algn="ctr"/>
             <a:r>
-              <a:rPr lang="en-GB" sz="1400" dirty="0" smtClean="0">
+              <a:rPr lang="en-GB" sz="1400" dirty="0">
                 <a:solidFill>
                   <a:schemeClr val="accent2">
                     <a:lumMod val="50000"/>
@@ -3981,13 +3910,6 @@
               </a:rPr>
               <a:t>Feature2</a:t>
             </a:r>
-            <a:endParaRPr lang="en-GB" sz="1400" dirty="0">
-              <a:solidFill>
-                <a:schemeClr val="accent2">
-                  <a:lumMod val="50000"/>
-                </a:schemeClr>
-              </a:solidFill>
-            </a:endParaRPr>
           </a:p>
         </p:txBody>
       </p:sp>
@@ -4039,7 +3961,7 @@
           <a:p>
             <a:pPr algn="ctr"/>
             <a:r>
-              <a:rPr lang="en-GB" sz="1400" dirty="0" smtClean="0">
+              <a:rPr lang="en-GB" sz="1400" dirty="0">
                 <a:solidFill>
                   <a:schemeClr val="accent2">
                     <a:lumMod val="50000"/>
@@ -4048,13 +3970,6 @@
               </a:rPr>
               <a:t>Feature3</a:t>
             </a:r>
-            <a:endParaRPr lang="en-GB" sz="1400" dirty="0">
-              <a:solidFill>
-                <a:schemeClr val="accent2">
-                  <a:lumMod val="50000"/>
-                </a:schemeClr>
-              </a:solidFill>
-            </a:endParaRPr>
           </a:p>
         </p:txBody>
       </p:sp>
@@ -4252,7 +4167,7 @@
           <a:lstStyle/>
           <a:p>
             <a:r>
-              <a:rPr lang="en-GB" sz="1600" dirty="0" smtClean="0">
+              <a:rPr lang="en-GB" sz="1600" dirty="0">
                 <a:solidFill>
                   <a:srgbClr val="7030A0"/>
                 </a:solidFill>
@@ -4260,7 +4175,7 @@
               <a:t>Request </a:t>
             </a:r>
             <a:r>
-              <a:rPr lang="en-GB" sz="1600" dirty="0" err="1" smtClean="0">
+              <a:rPr lang="en-GB" sz="1600" dirty="0" err="1">
                 <a:solidFill>
                   <a:srgbClr val="7030A0"/>
                 </a:solidFill>
@@ -4268,7 +4183,7 @@
               <a:t>demux</a:t>
             </a:r>
             <a:r>
-              <a:rPr lang="en-GB" sz="1600" dirty="0" smtClean="0">
+              <a:rPr lang="en-GB" sz="1600" dirty="0">
                 <a:solidFill>
                   <a:srgbClr val="7030A0"/>
                 </a:solidFill>
@@ -4278,7 +4193,7 @@
           </a:p>
           <a:p>
             <a:r>
-              <a:rPr lang="en-GB" sz="1600" dirty="0" smtClean="0">
+              <a:rPr lang="en-GB" sz="1600" dirty="0">
                 <a:solidFill>
                   <a:srgbClr val="7030A0"/>
                 </a:solidFill>
@@ -4286,7 +4201,7 @@
               <a:t>off </a:t>
             </a:r>
             <a:r>
-              <a:rPr lang="en-GB" sz="1600" dirty="0" err="1" smtClean="0">
+              <a:rPr lang="en-GB" sz="1600" dirty="0" err="1">
                 <a:solidFill>
                   <a:srgbClr val="7030A0"/>
                 </a:solidFill>
@@ -4301,20 +4216,12 @@
                   <a:srgbClr val="7030A0"/>
                 </a:solidFill>
               </a:rPr>
-              <a:t> </a:t>
-            </a:r>
-            <a:r>
-              <a:rPr lang="en-GB" sz="1600" dirty="0" smtClean="0">
-                <a:solidFill>
-                  <a:srgbClr val="7030A0"/>
-                </a:solidFill>
-              </a:rPr>
-              <a:t>value</a:t>
-            </a:r>
-          </a:p>
-          <a:p>
-            <a:r>
-              <a:rPr lang="en-GB" sz="1100" dirty="0" smtClean="0">
+              <a:t> value</a:t>
+            </a:r>
+          </a:p>
+          <a:p>
+            <a:r>
+              <a:rPr lang="en-GB" sz="1100" dirty="0">
                 <a:solidFill>
                   <a:srgbClr val="7030A0"/>
                 </a:solidFill>
@@ -4475,13 +4382,6 @@
   <p:clrMapOvr>
     <a:masterClrMapping/>
   </p:clrMapOvr>
-  <p:timing>
-    <p:tnLst>
-      <p:par>
-        <p:cTn id="1" dur="indefinite" restart="never" nodeType="tmRoot"/>
-      </p:par>
-    </p:tnLst>
-  </p:timing>
 </p:sld>
 </file>
 
@@ -4537,7 +4437,7 @@
           <a:lstStyle/>
           <a:p>
             <a:r>
-              <a:rPr lang="en-GB" dirty="0" smtClean="0">
+              <a:rPr lang="en-GB" dirty="0">
                 <a:solidFill>
                   <a:schemeClr val="accent2">
                     <a:lumMod val="50000"/>
@@ -4546,13 +4446,6 @@
               </a:rPr>
               <a:t>Server</a:t>
             </a:r>
-            <a:endParaRPr lang="en-GB" dirty="0">
-              <a:solidFill>
-                <a:schemeClr val="accent2">
-                  <a:lumMod val="50000"/>
-                </a:schemeClr>
-              </a:solidFill>
-            </a:endParaRPr>
           </a:p>
         </p:txBody>
       </p:sp>
@@ -4606,7 +4499,7 @@
           <a:p>
             <a:pPr algn="ctr"/>
             <a:r>
-              <a:rPr lang="en-GB" dirty="0" err="1" smtClean="0">
+              <a:rPr lang="en-GB" dirty="0" err="1">
                 <a:solidFill>
                   <a:schemeClr val="accent6">
                     <a:lumMod val="50000"/>
@@ -4656,18 +4549,13 @@
           <a:p>
             <a:pPr algn="ctr"/>
             <a:r>
-              <a:rPr lang="en-GB" dirty="0" smtClean="0">
+              <a:rPr lang="en-GB" dirty="0">
                 <a:solidFill>
                   <a:schemeClr val="bg1"/>
                 </a:solidFill>
               </a:rPr>
               <a:t>Client</a:t>
             </a:r>
-            <a:endParaRPr lang="en-GB" dirty="0">
-              <a:solidFill>
-                <a:schemeClr val="bg1"/>
-              </a:solidFill>
-            </a:endParaRPr>
           </a:p>
         </p:txBody>
       </p:sp>
@@ -4719,7 +4607,7 @@
           <a:p>
             <a:pPr algn="ctr"/>
             <a:r>
-              <a:rPr lang="en-GB" sz="1400" dirty="0" err="1" smtClean="0">
+              <a:rPr lang="en-GB" sz="1400" dirty="0" err="1">
                 <a:solidFill>
                   <a:schemeClr val="accent2">
                     <a:lumMod val="50000"/>
@@ -4729,7 +4617,7 @@
               <a:t>Websocket</a:t>
             </a:r>
             <a:r>
-              <a:rPr lang="en-GB" sz="1400" dirty="0" smtClean="0">
+              <a:rPr lang="en-GB" sz="1400" dirty="0">
                 <a:solidFill>
                   <a:schemeClr val="accent2">
                     <a:lumMod val="50000"/>
@@ -4742,7 +4630,7 @@
           <a:p>
             <a:pPr algn="ctr"/>
             <a:r>
-              <a:rPr lang="en-GB" sz="1400" dirty="0" smtClean="0">
+              <a:rPr lang="en-GB" sz="1400" dirty="0">
                 <a:solidFill>
                   <a:schemeClr val="accent2">
                     <a:lumMod val="50000"/>
@@ -4751,13 +4639,6 @@
               </a:rPr>
               <a:t>handler</a:t>
             </a:r>
-            <a:endParaRPr lang="en-GB" sz="1400" dirty="0">
-              <a:solidFill>
-                <a:schemeClr val="accent2">
-                  <a:lumMod val="50000"/>
-                </a:schemeClr>
-              </a:solidFill>
-            </a:endParaRPr>
           </a:p>
         </p:txBody>
       </p:sp>
@@ -4809,7 +4690,7 @@
           <a:p>
             <a:pPr algn="ctr"/>
             <a:r>
-              <a:rPr lang="en-GB" sz="1400" dirty="0" smtClean="0">
+              <a:rPr lang="en-GB" sz="1400" dirty="0">
                 <a:solidFill>
                   <a:schemeClr val="accent2">
                     <a:lumMod val="50000"/>
@@ -4818,13 +4699,6 @@
               </a:rPr>
               <a:t>Feature1</a:t>
             </a:r>
-            <a:endParaRPr lang="en-GB" sz="1400" dirty="0">
-              <a:solidFill>
-                <a:schemeClr val="accent2">
-                  <a:lumMod val="50000"/>
-                </a:schemeClr>
-              </a:solidFill>
-            </a:endParaRPr>
           </a:p>
         </p:txBody>
       </p:sp>
@@ -4876,7 +4750,7 @@
           <a:p>
             <a:pPr algn="ctr"/>
             <a:r>
-              <a:rPr lang="en-GB" sz="1400" dirty="0" smtClean="0">
+              <a:rPr lang="en-GB" sz="1400" dirty="0">
                 <a:solidFill>
                   <a:schemeClr val="accent2">
                     <a:lumMod val="50000"/>
@@ -4885,13 +4759,6 @@
               </a:rPr>
               <a:t>Feature2</a:t>
             </a:r>
-            <a:endParaRPr lang="en-GB" sz="1400" dirty="0">
-              <a:solidFill>
-                <a:schemeClr val="accent2">
-                  <a:lumMod val="50000"/>
-                </a:schemeClr>
-              </a:solidFill>
-            </a:endParaRPr>
           </a:p>
         </p:txBody>
       </p:sp>
@@ -4943,7 +4810,7 @@
           <a:p>
             <a:pPr algn="ctr"/>
             <a:r>
-              <a:rPr lang="en-GB" sz="1400" dirty="0" err="1" smtClean="0">
+              <a:rPr lang="en-GB" sz="1400" dirty="0" err="1">
                 <a:solidFill>
                   <a:srgbClr val="7030A0"/>
                 </a:solidFill>
@@ -4951,18 +4818,13 @@
               <a:t>Auth</a:t>
             </a:r>
             <a:r>
-              <a:rPr lang="en-GB" sz="1400" dirty="0" smtClean="0">
+              <a:rPr lang="en-GB" sz="1400" dirty="0">
                 <a:solidFill>
                   <a:srgbClr val="7030A0"/>
                 </a:solidFill>
               </a:rPr>
               <a:t> Feature</a:t>
             </a:r>
-            <a:endParaRPr lang="en-GB" sz="1400" dirty="0">
-              <a:solidFill>
-                <a:srgbClr val="7030A0"/>
-              </a:solidFill>
-            </a:endParaRPr>
           </a:p>
         </p:txBody>
       </p:sp>
@@ -5158,7 +5020,7 @@
           <a:lstStyle/>
           <a:p>
             <a:r>
-              <a:rPr lang="en-GB" sz="1600" dirty="0" err="1" smtClean="0">
+              <a:rPr lang="en-GB" sz="1600" dirty="0" err="1">
                 <a:solidFill>
                   <a:srgbClr val="7030A0"/>
                 </a:solidFill>
@@ -5166,7 +5028,7 @@
               <a:t>Websocket</a:t>
             </a:r>
             <a:r>
-              <a:rPr lang="en-GB" sz="1600" dirty="0" smtClean="0">
+              <a:rPr lang="en-GB" sz="1600" dirty="0">
                 <a:solidFill>
                   <a:srgbClr val="7030A0"/>
                 </a:solidFill>
@@ -5174,7 +5036,7 @@
               <a:t> </a:t>
             </a:r>
             <a:r>
-              <a:rPr lang="en-GB" sz="1600" dirty="0" err="1" smtClean="0">
+              <a:rPr lang="en-GB" sz="1600" dirty="0" err="1">
                 <a:solidFill>
                   <a:srgbClr val="7030A0"/>
                 </a:solidFill>
@@ -5182,7 +5044,7 @@
               <a:t>auth</a:t>
             </a:r>
             <a:r>
-              <a:rPr lang="en-GB" sz="1600" dirty="0" smtClean="0">
+              <a:rPr lang="en-GB" sz="1600" dirty="0">
                 <a:solidFill>
                   <a:srgbClr val="7030A0"/>
                 </a:solidFill>
@@ -5190,7 +5052,7 @@
               <a:t> state</a:t>
             </a:r>
             <a:r>
-              <a:rPr lang="en-GB" sz="1600" smtClean="0">
+              <a:rPr lang="en-GB" sz="1600">
                 <a:solidFill>
                   <a:srgbClr val="7030A0"/>
                 </a:solidFill>
@@ -5198,7 +5060,7 @@
               <a:t>: exactly one </a:t>
             </a:r>
             <a:r>
-              <a:rPr lang="en-GB" sz="1600" dirty="0" smtClean="0">
+              <a:rPr lang="en-GB" sz="1600" dirty="0">
                 <a:solidFill>
                   <a:srgbClr val="7030A0"/>
                 </a:solidFill>
@@ -5212,7 +5074,7 @@
               <a:buChar char="•"/>
             </a:pPr>
             <a:r>
-              <a:rPr lang="en-GB" sz="1600" i="1" dirty="0" smtClean="0">
+              <a:rPr lang="en-GB" sz="1600" i="1" dirty="0">
                 <a:solidFill>
                   <a:srgbClr val="7030A0"/>
                 </a:solidFill>
@@ -5220,7 +5082,7 @@
               <a:t>authorized</a:t>
             </a:r>
             <a:r>
-              <a:rPr lang="en-GB" sz="1600" dirty="0" smtClean="0">
+              <a:rPr lang="en-GB" sz="1600" dirty="0">
                 <a:solidFill>
                   <a:srgbClr val="7030A0"/>
                 </a:solidFill>
@@ -5228,7 +5090,7 @@
               <a:t> (with </a:t>
             </a:r>
             <a:r>
-              <a:rPr lang="en-GB" sz="1600" dirty="0" err="1" smtClean="0">
+              <a:rPr lang="en-GB" sz="1600" dirty="0" err="1">
                 <a:solidFill>
                   <a:srgbClr val="7030A0"/>
                 </a:solidFill>
@@ -5236,7 +5098,7 @@
               <a:t>userid</a:t>
             </a:r>
             <a:r>
-              <a:rPr lang="en-GB" sz="1600" dirty="0" smtClean="0">
+              <a:rPr lang="en-GB" sz="1600" dirty="0">
                 <a:solidFill>
                   <a:srgbClr val="7030A0"/>
                 </a:solidFill>
@@ -5250,7 +5112,7 @@
               <a:buChar char="•"/>
             </a:pPr>
             <a:r>
-              <a:rPr lang="en-GB" sz="1600" i="1" dirty="0" smtClean="0">
+              <a:rPr lang="en-GB" sz="1600" i="1" dirty="0">
                 <a:solidFill>
                   <a:srgbClr val="7030A0"/>
                 </a:solidFill>
@@ -5258,14 +5120,14 @@
               <a:t>not-authorized</a:t>
             </a:r>
             <a:r>
-              <a:rPr lang="en-GB" sz="1600" dirty="0" smtClean="0">
+              <a:rPr lang="en-GB" sz="1600" dirty="0">
                 <a:solidFill>
                   <a:srgbClr val="7030A0"/>
                 </a:solidFill>
               </a:rPr>
               <a:t> (with request whitelist)</a:t>
             </a:r>
-            <a:endParaRPr lang="en-GB" sz="1100" dirty="0" smtClean="0">
+            <a:endParaRPr lang="en-GB" sz="1100" dirty="0">
               <a:solidFill>
                 <a:srgbClr val="7030A0"/>
               </a:solidFill>
@@ -5283,13 +5145,6 @@
   <p:clrMapOvr>
     <a:masterClrMapping/>
   </p:clrMapOvr>
-  <p:timing>
-    <p:tnLst>
-      <p:par>
-        <p:cTn id="1" dur="indefinite" restart="never" nodeType="tmRoot"/>
-      </p:par>
-    </p:tnLst>
-  </p:timing>
 </p:sld>
 </file>
 
@@ -5345,7 +5200,7 @@
           <a:lstStyle/>
           <a:p>
             <a:r>
-              <a:rPr lang="en-GB" dirty="0" smtClean="0">
+              <a:rPr lang="en-GB" dirty="0">
                 <a:solidFill>
                   <a:schemeClr val="accent2">
                     <a:lumMod val="50000"/>
@@ -5354,13 +5209,6 @@
               </a:rPr>
               <a:t>Server</a:t>
             </a:r>
-            <a:endParaRPr lang="en-GB" dirty="0">
-              <a:solidFill>
-                <a:schemeClr val="accent2">
-                  <a:lumMod val="50000"/>
-                </a:schemeClr>
-              </a:solidFill>
-            </a:endParaRPr>
           </a:p>
         </p:txBody>
       </p:sp>
@@ -5414,7 +5262,7 @@
           <a:p>
             <a:pPr algn="ctr"/>
             <a:r>
-              <a:rPr lang="en-GB" dirty="0" err="1" smtClean="0">
+              <a:rPr lang="en-GB" dirty="0" err="1">
                 <a:solidFill>
                   <a:schemeClr val="accent6">
                     <a:lumMod val="50000"/>
@@ -5464,18 +5312,13 @@
           <a:p>
             <a:pPr algn="ctr"/>
             <a:r>
-              <a:rPr lang="en-GB" dirty="0" smtClean="0">
+              <a:rPr lang="en-GB" dirty="0">
                 <a:solidFill>
                   <a:schemeClr val="bg1"/>
                 </a:solidFill>
               </a:rPr>
               <a:t>Client</a:t>
             </a:r>
-            <a:endParaRPr lang="en-GB" dirty="0">
-              <a:solidFill>
-                <a:schemeClr val="bg1"/>
-              </a:solidFill>
-            </a:endParaRPr>
           </a:p>
         </p:txBody>
       </p:sp>
@@ -5527,7 +5370,7 @@
           <a:p>
             <a:pPr algn="ctr"/>
             <a:r>
-              <a:rPr lang="en-GB" sz="1400" dirty="0" err="1" smtClean="0">
+              <a:rPr lang="en-GB" sz="1400" dirty="0" err="1">
                 <a:solidFill>
                   <a:schemeClr val="accent2">
                     <a:lumMod val="50000"/>
@@ -5537,7 +5380,7 @@
               <a:t>Websocket</a:t>
             </a:r>
             <a:r>
-              <a:rPr lang="en-GB" sz="1400" dirty="0" smtClean="0">
+              <a:rPr lang="en-GB" sz="1400" dirty="0">
                 <a:solidFill>
                   <a:schemeClr val="accent2">
                     <a:lumMod val="50000"/>
@@ -5550,7 +5393,7 @@
           <a:p>
             <a:pPr algn="ctr"/>
             <a:r>
-              <a:rPr lang="en-GB" sz="1400" dirty="0" smtClean="0">
+              <a:rPr lang="en-GB" sz="1400" dirty="0">
                 <a:solidFill>
                   <a:schemeClr val="accent2">
                     <a:lumMod val="50000"/>
@@ -5559,13 +5402,6 @@
               </a:rPr>
               <a:t>handler</a:t>
             </a:r>
-            <a:endParaRPr lang="en-GB" sz="1400" dirty="0">
-              <a:solidFill>
-                <a:schemeClr val="accent2">
-                  <a:lumMod val="50000"/>
-                </a:schemeClr>
-              </a:solidFill>
-            </a:endParaRPr>
           </a:p>
         </p:txBody>
       </p:sp>
@@ -5617,7 +5453,7 @@
           <a:p>
             <a:pPr algn="ctr"/>
             <a:r>
-              <a:rPr lang="en-GB" sz="1400" dirty="0" smtClean="0">
+              <a:rPr lang="en-GB" sz="1400" dirty="0">
                 <a:solidFill>
                   <a:schemeClr val="accent2">
                     <a:lumMod val="50000"/>
@@ -5626,13 +5462,6 @@
               </a:rPr>
               <a:t>Feature1</a:t>
             </a:r>
-            <a:endParaRPr lang="en-GB" sz="1400" dirty="0">
-              <a:solidFill>
-                <a:schemeClr val="accent2">
-                  <a:lumMod val="50000"/>
-                </a:schemeClr>
-              </a:solidFill>
-            </a:endParaRPr>
           </a:p>
         </p:txBody>
       </p:sp>
@@ -5684,7 +5513,7 @@
           <a:p>
             <a:pPr algn="ctr"/>
             <a:r>
-              <a:rPr lang="en-GB" sz="1400" dirty="0" smtClean="0">
+              <a:rPr lang="en-GB" sz="1400" dirty="0">
                 <a:solidFill>
                   <a:schemeClr val="accent2">
                     <a:lumMod val="50000"/>
@@ -5693,13 +5522,6 @@
               </a:rPr>
               <a:t>Feature2</a:t>
             </a:r>
-            <a:endParaRPr lang="en-GB" sz="1400" dirty="0">
-              <a:solidFill>
-                <a:schemeClr val="accent2">
-                  <a:lumMod val="50000"/>
-                </a:schemeClr>
-              </a:solidFill>
-            </a:endParaRPr>
           </a:p>
         </p:txBody>
       </p:sp>
@@ -5751,7 +5573,7 @@
           <a:p>
             <a:pPr algn="ctr"/>
             <a:r>
-              <a:rPr lang="en-GB" sz="1400" dirty="0" smtClean="0">
+              <a:rPr lang="en-GB" sz="1400" dirty="0">
                 <a:solidFill>
                   <a:schemeClr val="accent2">
                     <a:lumMod val="50000"/>
@@ -5760,13 +5582,6 @@
               </a:rPr>
               <a:t>Feature3</a:t>
             </a:r>
-            <a:endParaRPr lang="en-GB" sz="1400" dirty="0">
-              <a:solidFill>
-                <a:schemeClr val="accent2">
-                  <a:lumMod val="50000"/>
-                </a:schemeClr>
-              </a:solidFill>
-            </a:endParaRPr>
           </a:p>
         </p:txBody>
       </p:sp>
@@ -5941,7 +5756,7 @@
           <a:p>
             <a:pPr algn="ctr"/>
             <a:r>
-              <a:rPr lang="en-GB" dirty="0" err="1" smtClean="0">
+              <a:rPr lang="en-GB" dirty="0" err="1">
                 <a:solidFill>
                   <a:schemeClr val="accent6">
                     <a:lumMod val="50000"/>
@@ -6008,7 +5823,7 @@
           <a:p>
             <a:pPr algn="ctr"/>
             <a:r>
-              <a:rPr lang="en-GB" sz="1400" dirty="0" err="1" smtClean="0">
+              <a:rPr lang="en-GB" sz="1400" dirty="0" err="1">
                 <a:solidFill>
                   <a:schemeClr val="accent2">
                     <a:lumMod val="50000"/>
@@ -6018,7 +5833,7 @@
               <a:t>Websocket</a:t>
             </a:r>
             <a:r>
-              <a:rPr lang="en-GB" sz="1400" dirty="0" smtClean="0">
+              <a:rPr lang="en-GB" sz="1400" dirty="0">
                 <a:solidFill>
                   <a:schemeClr val="accent2">
                     <a:lumMod val="50000"/>
@@ -6031,7 +5846,7 @@
           <a:p>
             <a:pPr algn="ctr"/>
             <a:r>
-              <a:rPr lang="en-GB" sz="1400" dirty="0" smtClean="0">
+              <a:rPr lang="en-GB" sz="1400" dirty="0">
                 <a:solidFill>
                   <a:schemeClr val="accent2">
                     <a:lumMod val="50000"/>
@@ -6040,13 +5855,6 @@
               </a:rPr>
               <a:t>handler</a:t>
             </a:r>
-            <a:endParaRPr lang="en-GB" sz="1400" dirty="0">
-              <a:solidFill>
-                <a:schemeClr val="accent2">
-                  <a:lumMod val="50000"/>
-                </a:schemeClr>
-              </a:solidFill>
-            </a:endParaRPr>
           </a:p>
         </p:txBody>
       </p:sp>
@@ -6098,7 +5906,7 @@
           <a:p>
             <a:pPr algn="ctr"/>
             <a:r>
-              <a:rPr lang="en-GB" sz="1400" dirty="0" smtClean="0">
+              <a:rPr lang="en-GB" sz="1400" dirty="0">
                 <a:solidFill>
                   <a:schemeClr val="accent2">
                     <a:lumMod val="50000"/>
@@ -6107,13 +5915,6 @@
               </a:rPr>
               <a:t>Feature1</a:t>
             </a:r>
-            <a:endParaRPr lang="en-GB" sz="1400" dirty="0">
-              <a:solidFill>
-                <a:schemeClr val="accent2">
-                  <a:lumMod val="50000"/>
-                </a:schemeClr>
-              </a:solidFill>
-            </a:endParaRPr>
           </a:p>
         </p:txBody>
       </p:sp>
@@ -6165,7 +5966,7 @@
           <a:p>
             <a:pPr algn="ctr"/>
             <a:r>
-              <a:rPr lang="en-GB" sz="1400" dirty="0" smtClean="0">
+              <a:rPr lang="en-GB" sz="1400" dirty="0">
                 <a:solidFill>
                   <a:schemeClr val="accent2">
                     <a:lumMod val="50000"/>
@@ -6174,13 +5975,6 @@
               </a:rPr>
               <a:t>Feature3</a:t>
             </a:r>
-            <a:endParaRPr lang="en-GB" sz="1400" dirty="0">
-              <a:solidFill>
-                <a:schemeClr val="accent2">
-                  <a:lumMod val="50000"/>
-                </a:schemeClr>
-              </a:solidFill>
-            </a:endParaRPr>
           </a:p>
         </p:txBody>
       </p:sp>
@@ -6232,7 +6026,7 @@
           <a:p>
             <a:pPr algn="ctr"/>
             <a:r>
-              <a:rPr lang="en-GB" sz="1400" dirty="0" smtClean="0">
+              <a:rPr lang="en-GB" sz="1400" dirty="0">
                 <a:solidFill>
                   <a:schemeClr val="accent2">
                     <a:lumMod val="50000"/>
@@ -6241,13 +6035,6 @@
               </a:rPr>
               <a:t>Feature4</a:t>
             </a:r>
-            <a:endParaRPr lang="en-GB" sz="1400" dirty="0">
-              <a:solidFill>
-                <a:schemeClr val="accent2">
-                  <a:lumMod val="50000"/>
-                </a:schemeClr>
-              </a:solidFill>
-            </a:endParaRPr>
           </a:p>
         </p:txBody>
       </p:sp>
@@ -6403,18 +6190,13 @@
           <a:p>
             <a:pPr algn="ctr"/>
             <a:r>
-              <a:rPr lang="en-GB" dirty="0" smtClean="0">
+              <a:rPr lang="en-GB" dirty="0">
                 <a:solidFill>
                   <a:schemeClr val="bg1"/>
                 </a:solidFill>
               </a:rPr>
               <a:t>Client</a:t>
             </a:r>
-            <a:endParaRPr lang="en-GB" dirty="0">
-              <a:solidFill>
-                <a:schemeClr val="bg1"/>
-              </a:solidFill>
-            </a:endParaRPr>
           </a:p>
         </p:txBody>
       </p:sp>
@@ -6428,13 +6210,6 @@
   <p:clrMapOvr>
     <a:masterClrMapping/>
   </p:clrMapOvr>
-  <p:timing>
-    <p:tnLst>
-      <p:par>
-        <p:cTn id="1" dur="indefinite" restart="never" nodeType="tmRoot"/>
-      </p:par>
-    </p:tnLst>
-  </p:timing>
 </p:sld>
 </file>
 
@@ -6491,7 +6266,7 @@
           <a:p>
             <a:pPr algn="r"/>
             <a:r>
-              <a:rPr lang="en-GB" dirty="0" smtClean="0">
+              <a:rPr lang="en-GB" dirty="0">
                 <a:solidFill>
                   <a:schemeClr val="accent1">
                     <a:lumMod val="50000"/>
@@ -6500,13 +6275,6 @@
               </a:rPr>
               <a:t>Client</a:t>
             </a:r>
-            <a:endParaRPr lang="en-GB" dirty="0">
-              <a:solidFill>
-                <a:schemeClr val="accent1">
-                  <a:lumMod val="50000"/>
-                </a:schemeClr>
-              </a:solidFill>
-            </a:endParaRPr>
           </a:p>
         </p:txBody>
       </p:sp>
@@ -6545,7 +6313,7 @@
           <a:lstStyle/>
           <a:p>
             <a:r>
-              <a:rPr lang="en-GB" dirty="0" smtClean="0">
+              <a:rPr lang="en-GB" dirty="0">
                 <a:solidFill>
                   <a:schemeClr val="accent2">
                     <a:lumMod val="50000"/>
@@ -6554,13 +6322,6 @@
               </a:rPr>
               <a:t>Server</a:t>
             </a:r>
-            <a:endParaRPr lang="en-GB" dirty="0">
-              <a:solidFill>
-                <a:schemeClr val="accent2">
-                  <a:lumMod val="50000"/>
-                </a:schemeClr>
-              </a:solidFill>
-            </a:endParaRPr>
           </a:p>
         </p:txBody>
       </p:sp>
@@ -6614,7 +6375,7 @@
           <a:p>
             <a:pPr algn="ctr"/>
             <a:r>
-              <a:rPr lang="en-GB" dirty="0" err="1" smtClean="0">
+              <a:rPr lang="en-GB" dirty="0" err="1">
                 <a:solidFill>
                   <a:schemeClr val="accent6">
                     <a:lumMod val="50000"/>
@@ -6681,7 +6442,7 @@
           <a:p>
             <a:pPr algn="ctr"/>
             <a:r>
-              <a:rPr lang="en-GB" sz="1400" dirty="0" err="1" smtClean="0">
+              <a:rPr lang="en-GB" sz="1400" dirty="0" err="1">
                 <a:solidFill>
                   <a:schemeClr val="accent2">
                     <a:lumMod val="50000"/>
@@ -6691,7 +6452,7 @@
               <a:t>Websocket</a:t>
             </a:r>
             <a:r>
-              <a:rPr lang="en-GB" sz="1400" dirty="0" smtClean="0">
+              <a:rPr lang="en-GB" sz="1400" dirty="0">
                 <a:solidFill>
                   <a:schemeClr val="accent2">
                     <a:lumMod val="50000"/>
@@ -6704,7 +6465,7 @@
           <a:p>
             <a:pPr algn="ctr"/>
             <a:r>
-              <a:rPr lang="en-GB" sz="1400" dirty="0" smtClean="0">
+              <a:rPr lang="en-GB" sz="1400" dirty="0">
                 <a:solidFill>
                   <a:schemeClr val="accent2">
                     <a:lumMod val="50000"/>
@@ -6713,13 +6474,6 @@
               </a:rPr>
               <a:t>handler</a:t>
             </a:r>
-            <a:endParaRPr lang="en-GB" sz="1400" dirty="0">
-              <a:solidFill>
-                <a:schemeClr val="accent2">
-                  <a:lumMod val="50000"/>
-                </a:schemeClr>
-              </a:solidFill>
-            </a:endParaRPr>
           </a:p>
         </p:txBody>
       </p:sp>
@@ -6771,7 +6525,7 @@
           <a:p>
             <a:pPr algn="ctr"/>
             <a:r>
-              <a:rPr lang="en-GB" sz="1400" dirty="0" smtClean="0">
+              <a:rPr lang="en-GB" sz="1400" dirty="0">
                 <a:solidFill>
                   <a:schemeClr val="accent2">
                     <a:lumMod val="50000"/>
@@ -6780,13 +6534,6 @@
               </a:rPr>
               <a:t>Feature1</a:t>
             </a:r>
-            <a:endParaRPr lang="en-GB" sz="1400" dirty="0">
-              <a:solidFill>
-                <a:schemeClr val="accent2">
-                  <a:lumMod val="50000"/>
-                </a:schemeClr>
-              </a:solidFill>
-            </a:endParaRPr>
           </a:p>
         </p:txBody>
       </p:sp>
@@ -6838,7 +6585,7 @@
           <a:p>
             <a:pPr algn="ctr"/>
             <a:r>
-              <a:rPr lang="en-GB" sz="1400" dirty="0" smtClean="0">
+              <a:rPr lang="en-GB" sz="1400" dirty="0">
                 <a:solidFill>
                   <a:schemeClr val="accent2">
                     <a:lumMod val="50000"/>
@@ -6847,13 +6594,6 @@
               </a:rPr>
               <a:t>Feature2</a:t>
             </a:r>
-            <a:endParaRPr lang="en-GB" sz="1400" dirty="0">
-              <a:solidFill>
-                <a:schemeClr val="accent2">
-                  <a:lumMod val="50000"/>
-                </a:schemeClr>
-              </a:solidFill>
-            </a:endParaRPr>
           </a:p>
         </p:txBody>
       </p:sp>
@@ -6905,7 +6645,7 @@
           <a:p>
             <a:pPr algn="ctr"/>
             <a:r>
-              <a:rPr lang="en-GB" sz="1400" dirty="0" smtClean="0">
+              <a:rPr lang="en-GB" sz="1400" dirty="0">
                 <a:solidFill>
                   <a:schemeClr val="accent2">
                     <a:lumMod val="50000"/>
@@ -6914,13 +6654,6 @@
               </a:rPr>
               <a:t>Feature3</a:t>
             </a:r>
-            <a:endParaRPr lang="en-GB" sz="1400" dirty="0">
-              <a:solidFill>
-                <a:schemeClr val="accent2">
-                  <a:lumMod val="50000"/>
-                </a:schemeClr>
-              </a:solidFill>
-            </a:endParaRPr>
           </a:p>
         </p:txBody>
       </p:sp>
@@ -7145,7 +6878,7 @@
           <a:p>
             <a:pPr algn="ctr"/>
             <a:r>
-              <a:rPr lang="en-GB" sz="1400" dirty="0" err="1" smtClean="0">
+              <a:rPr lang="en-GB" sz="1400" dirty="0" err="1">
                 <a:solidFill>
                   <a:schemeClr val="accent1">
                     <a:lumMod val="75000"/>
@@ -7155,7 +6888,7 @@
               <a:t>Websocket</a:t>
             </a:r>
             <a:r>
-              <a:rPr lang="en-GB" sz="1400" dirty="0" smtClean="0">
+              <a:rPr lang="en-GB" sz="1400" dirty="0">
                 <a:solidFill>
                   <a:schemeClr val="accent1">
                     <a:lumMod val="75000"/>
@@ -7168,7 +6901,7 @@
           <a:p>
             <a:pPr algn="ctr"/>
             <a:r>
-              <a:rPr lang="en-GB" sz="1400" dirty="0" smtClean="0">
+              <a:rPr lang="en-GB" sz="1400" dirty="0">
                 <a:solidFill>
                   <a:schemeClr val="accent1">
                     <a:lumMod val="75000"/>
@@ -7177,13 +6910,6 @@
               </a:rPr>
               <a:t>handler</a:t>
             </a:r>
-            <a:endParaRPr lang="en-GB" sz="1400" dirty="0">
-              <a:solidFill>
-                <a:schemeClr val="accent1">
-                  <a:lumMod val="75000"/>
-                </a:schemeClr>
-              </a:solidFill>
-            </a:endParaRPr>
           </a:p>
         </p:txBody>
       </p:sp>
@@ -7237,22 +6963,15 @@
           <a:p>
             <a:pPr algn="ctr"/>
             <a:r>
-              <a:rPr lang="en-GB" sz="1400" dirty="0" smtClean="0">
+              <a:rPr lang="en-GB" sz="1400" dirty="0">
                 <a:solidFill>
                   <a:schemeClr val="accent1">
                     <a:lumMod val="75000"/>
                   </a:schemeClr>
                 </a:solidFill>
               </a:rPr>
-              <a:t>Endpoint2</a:t>
-            </a:r>
-            <a:endParaRPr lang="en-GB" sz="1400" dirty="0">
-              <a:solidFill>
-                <a:schemeClr val="accent1">
-                  <a:lumMod val="75000"/>
-                </a:schemeClr>
-              </a:solidFill>
-            </a:endParaRPr>
+              <a:t>Channel2</a:t>
+            </a:r>
           </a:p>
         </p:txBody>
       </p:sp>
@@ -7306,22 +7025,15 @@
           <a:p>
             <a:pPr algn="ctr"/>
             <a:r>
-              <a:rPr lang="en-GB" sz="1400" dirty="0" smtClean="0">
+              <a:rPr lang="en-GB" sz="1400" dirty="0">
                 <a:solidFill>
                   <a:schemeClr val="accent1">
                     <a:lumMod val="75000"/>
                   </a:schemeClr>
                 </a:solidFill>
               </a:rPr>
-              <a:t>Endpoint1</a:t>
-            </a:r>
-            <a:endParaRPr lang="en-GB" sz="1400" dirty="0">
-              <a:solidFill>
-                <a:schemeClr val="accent1">
-                  <a:lumMod val="75000"/>
-                </a:schemeClr>
-              </a:solidFill>
-            </a:endParaRPr>
+              <a:t>Channel1</a:t>
+            </a:r>
           </a:p>
         </p:txBody>
       </p:sp>
@@ -7375,22 +7087,15 @@
           <a:p>
             <a:pPr algn="ctr"/>
             <a:r>
-              <a:rPr lang="en-GB" sz="1400" dirty="0" smtClean="0">
+              <a:rPr lang="en-GB" sz="1400" dirty="0">
                 <a:solidFill>
                   <a:schemeClr val="accent1">
                     <a:lumMod val="75000"/>
                   </a:schemeClr>
                 </a:solidFill>
               </a:rPr>
-              <a:t>Endpoint3</a:t>
-            </a:r>
-            <a:endParaRPr lang="en-GB" sz="1400" dirty="0">
-              <a:solidFill>
-                <a:schemeClr val="accent1">
-                  <a:lumMod val="75000"/>
-                </a:schemeClr>
-              </a:solidFill>
-            </a:endParaRPr>
+              <a:t>Channel3</a:t>
+            </a:r>
           </a:p>
         </p:txBody>
       </p:sp>
@@ -7537,7 +7242,7 @@
           <a:lstStyle/>
           <a:p>
             <a:r>
-              <a:rPr lang="en-GB" sz="1600" dirty="0" smtClean="0">
+              <a:rPr lang="en-GB" sz="1600" dirty="0">
                 <a:solidFill>
                   <a:srgbClr val="7030A0"/>
                 </a:solidFill>
@@ -7545,7 +7250,7 @@
               <a:t>Notification </a:t>
             </a:r>
             <a:r>
-              <a:rPr lang="en-GB" sz="1600" dirty="0" err="1" smtClean="0">
+              <a:rPr lang="en-GB" sz="1600" dirty="0" err="1">
                 <a:solidFill>
                   <a:srgbClr val="7030A0"/>
                 </a:solidFill>
@@ -7553,7 +7258,7 @@
               <a:t>demux</a:t>
             </a:r>
             <a:r>
-              <a:rPr lang="en-GB" sz="1600" dirty="0" smtClean="0">
+              <a:rPr lang="en-GB" sz="1600" dirty="0">
                 <a:solidFill>
                   <a:srgbClr val="7030A0"/>
                 </a:solidFill>
@@ -7563,7 +7268,7 @@
           </a:p>
           <a:p>
             <a:r>
-              <a:rPr lang="en-GB" sz="1600" dirty="0" smtClean="0">
+              <a:rPr lang="en-GB" sz="1600" dirty="0">
                 <a:solidFill>
                   <a:srgbClr val="7030A0"/>
                 </a:solidFill>
@@ -7571,17 +7276,17 @@
               <a:t>off </a:t>
             </a:r>
             <a:r>
-              <a:rPr lang="en-GB" sz="1600" dirty="0" smtClean="0">
+              <a:rPr lang="en-GB" sz="1600" dirty="0">
                 <a:solidFill>
                   <a:srgbClr val="7030A0"/>
                 </a:solidFill>
                 <a:latin typeface="Franklin Gothic Medium Cond" panose="020B0606030402020204" pitchFamily="34" charset="0"/>
                 <a:cs typeface="Courier New" panose="02070309020205020404" pitchFamily="49" charset="0"/>
               </a:rPr>
-              <a:t>endpoint</a:t>
-            </a:r>
-            <a:r>
-              <a:rPr lang="en-GB" sz="1600" dirty="0" smtClean="0">
+              <a:t>channel</a:t>
+            </a:r>
+            <a:r>
+              <a:rPr lang="en-GB" sz="1600" dirty="0">
                 <a:solidFill>
                   <a:srgbClr val="7030A0"/>
                 </a:solidFill>
@@ -7589,12 +7294,6 @@
               </a:rPr>
               <a:t> value</a:t>
             </a:r>
-            <a:endParaRPr lang="en-GB" sz="1600" dirty="0">
-              <a:solidFill>
-                <a:srgbClr val="7030A0"/>
-              </a:solidFill>
-              <a:cs typeface="Courier New" panose="02070309020205020404" pitchFamily="49" charset="0"/>
-            </a:endParaRPr>
           </a:p>
         </p:txBody>
       </p:sp>
@@ -7671,7 +7370,7 @@
           <a:lstStyle/>
           <a:p>
             <a:r>
-              <a:rPr lang="en-GB" sz="1600" dirty="0" smtClean="0">
+              <a:rPr lang="en-GB" sz="1600" dirty="0">
                 <a:solidFill>
                   <a:srgbClr val="7030A0"/>
                 </a:solidFill>
@@ -7679,7 +7378,7 @@
               <a:t>Request </a:t>
             </a:r>
             <a:r>
-              <a:rPr lang="en-GB" sz="1600" dirty="0" err="1" smtClean="0">
+              <a:rPr lang="en-GB" sz="1600" dirty="0" err="1">
                 <a:solidFill>
                   <a:srgbClr val="7030A0"/>
                 </a:solidFill>
@@ -7687,7 +7386,7 @@
               <a:t>demux</a:t>
             </a:r>
             <a:r>
-              <a:rPr lang="en-GB" sz="1600" dirty="0" smtClean="0">
+              <a:rPr lang="en-GB" sz="1600" dirty="0">
                 <a:solidFill>
                   <a:srgbClr val="7030A0"/>
                 </a:solidFill>
@@ -7697,7 +7396,7 @@
           </a:p>
           <a:p>
             <a:r>
-              <a:rPr lang="en-GB" sz="1600" dirty="0" smtClean="0">
+              <a:rPr lang="en-GB" sz="1600" dirty="0">
                 <a:solidFill>
                   <a:srgbClr val="7030A0"/>
                 </a:solidFill>
@@ -7705,7 +7404,7 @@
               <a:t>off </a:t>
             </a:r>
             <a:r>
-              <a:rPr lang="en-GB" sz="1600" dirty="0" err="1" smtClean="0">
+              <a:rPr lang="en-GB" sz="1600" dirty="0" err="1">
                 <a:solidFill>
                   <a:srgbClr val="7030A0"/>
                 </a:solidFill>
@@ -7715,7 +7414,7 @@
               <a:t>req_type</a:t>
             </a:r>
             <a:r>
-              <a:rPr lang="en-GB" sz="1600" dirty="0" smtClean="0">
+              <a:rPr lang="en-GB" sz="1600" dirty="0">
                 <a:solidFill>
                   <a:srgbClr val="7030A0"/>
                 </a:solidFill>
@@ -7725,7 +7424,7 @@
           </a:p>
           <a:p>
             <a:r>
-              <a:rPr lang="en-GB" sz="1100" dirty="0" smtClean="0">
+              <a:rPr lang="en-GB" sz="1100" dirty="0">
                 <a:solidFill>
                   <a:srgbClr val="7030A0"/>
                 </a:solidFill>
@@ -8027,13 +7726,6 @@
   <p:clrMapOvr>
     <a:masterClrMapping/>
   </p:clrMapOvr>
-  <p:timing>
-    <p:tnLst>
-      <p:par>
-        <p:cTn id="1" dur="indefinite" restart="never" nodeType="tmRoot"/>
-      </p:par>
-    </p:tnLst>
-  </p:timing>
 </p:sld>
 </file>
 
@@ -8090,7 +7782,7 @@
           <a:p>
             <a:pPr algn="r"/>
             <a:r>
-              <a:rPr lang="en-GB" dirty="0" smtClean="0">
+              <a:rPr lang="en-GB" dirty="0">
                 <a:solidFill>
                   <a:schemeClr val="accent1">
                     <a:lumMod val="50000"/>
@@ -8099,13 +7791,6 @@
               </a:rPr>
               <a:t>Client</a:t>
             </a:r>
-            <a:endParaRPr lang="en-GB" dirty="0">
-              <a:solidFill>
-                <a:schemeClr val="accent1">
-                  <a:lumMod val="50000"/>
-                </a:schemeClr>
-              </a:solidFill>
-            </a:endParaRPr>
           </a:p>
         </p:txBody>
       </p:sp>
@@ -8144,7 +7829,7 @@
           <a:lstStyle/>
           <a:p>
             <a:r>
-              <a:rPr lang="en-GB" dirty="0" smtClean="0">
+              <a:rPr lang="en-GB" dirty="0">
                 <a:solidFill>
                   <a:schemeClr val="accent2">
                     <a:lumMod val="50000"/>
@@ -8153,13 +7838,6 @@
               </a:rPr>
               <a:t>Server</a:t>
             </a:r>
-            <a:endParaRPr lang="en-GB" dirty="0">
-              <a:solidFill>
-                <a:schemeClr val="accent2">
-                  <a:lumMod val="50000"/>
-                </a:schemeClr>
-              </a:solidFill>
-            </a:endParaRPr>
           </a:p>
         </p:txBody>
       </p:sp>
@@ -8213,7 +7891,7 @@
           <a:p>
             <a:pPr algn="ctr"/>
             <a:r>
-              <a:rPr lang="en-GB" dirty="0" err="1" smtClean="0">
+              <a:rPr lang="en-GB" dirty="0" err="1">
                 <a:solidFill>
                   <a:schemeClr val="accent6">
                     <a:lumMod val="50000"/>
@@ -8280,7 +7958,7 @@
           <a:p>
             <a:pPr algn="ctr"/>
             <a:r>
-              <a:rPr lang="en-GB" sz="1400" dirty="0" err="1" smtClean="0">
+              <a:rPr lang="en-GB" sz="1400" dirty="0" err="1">
                 <a:solidFill>
                   <a:schemeClr val="accent2">
                     <a:lumMod val="50000"/>
@@ -8290,7 +7968,7 @@
               <a:t>Websocket</a:t>
             </a:r>
             <a:r>
-              <a:rPr lang="en-GB" sz="1400" dirty="0" smtClean="0">
+              <a:rPr lang="en-GB" sz="1400" dirty="0">
                 <a:solidFill>
                   <a:schemeClr val="accent2">
                     <a:lumMod val="50000"/>
@@ -8303,7 +7981,7 @@
           <a:p>
             <a:pPr algn="ctr"/>
             <a:r>
-              <a:rPr lang="en-GB" sz="1400" dirty="0" smtClean="0">
+              <a:rPr lang="en-GB" sz="1400" dirty="0">
                 <a:solidFill>
                   <a:schemeClr val="accent2">
                     <a:lumMod val="50000"/>
@@ -8312,13 +7990,6 @@
               </a:rPr>
               <a:t>handler</a:t>
             </a:r>
-            <a:endParaRPr lang="en-GB" sz="1400" dirty="0">
-              <a:solidFill>
-                <a:schemeClr val="accent2">
-                  <a:lumMod val="50000"/>
-                </a:schemeClr>
-              </a:solidFill>
-            </a:endParaRPr>
           </a:p>
         </p:txBody>
       </p:sp>
@@ -8370,7 +8041,7 @@
           <a:p>
             <a:pPr algn="ctr"/>
             <a:r>
-              <a:rPr lang="en-GB" sz="1400" dirty="0" smtClean="0">
+              <a:rPr lang="en-GB" sz="1400" dirty="0">
                 <a:solidFill>
                   <a:schemeClr val="accent2">
                     <a:lumMod val="50000"/>
@@ -8379,13 +8050,6 @@
               </a:rPr>
               <a:t>Feature1</a:t>
             </a:r>
-            <a:endParaRPr lang="en-GB" sz="1400" dirty="0">
-              <a:solidFill>
-                <a:schemeClr val="accent2">
-                  <a:lumMod val="50000"/>
-                </a:schemeClr>
-              </a:solidFill>
-            </a:endParaRPr>
           </a:p>
         </p:txBody>
       </p:sp>
@@ -8437,7 +8101,7 @@
           <a:p>
             <a:pPr algn="ctr"/>
             <a:r>
-              <a:rPr lang="en-GB" sz="1400" dirty="0" smtClean="0">
+              <a:rPr lang="en-GB" sz="1400" dirty="0">
                 <a:solidFill>
                   <a:schemeClr val="accent2">
                     <a:lumMod val="50000"/>
@@ -8446,13 +8110,6 @@
               </a:rPr>
               <a:t>Feature2</a:t>
             </a:r>
-            <a:endParaRPr lang="en-GB" sz="1400" dirty="0">
-              <a:solidFill>
-                <a:schemeClr val="accent2">
-                  <a:lumMod val="50000"/>
-                </a:schemeClr>
-              </a:solidFill>
-            </a:endParaRPr>
           </a:p>
         </p:txBody>
       </p:sp>
@@ -8504,7 +8161,7 @@
           <a:p>
             <a:pPr algn="ctr"/>
             <a:r>
-              <a:rPr lang="en-GB" sz="1400" dirty="0" smtClean="0">
+              <a:rPr lang="en-GB" sz="1400" dirty="0">
                 <a:solidFill>
                   <a:schemeClr val="accent2">
                     <a:lumMod val="50000"/>
@@ -8513,13 +8170,6 @@
               </a:rPr>
               <a:t>Feature3</a:t>
             </a:r>
-            <a:endParaRPr lang="en-GB" sz="1400" dirty="0">
-              <a:solidFill>
-                <a:schemeClr val="accent2">
-                  <a:lumMod val="50000"/>
-                </a:schemeClr>
-              </a:solidFill>
-            </a:endParaRPr>
           </a:p>
         </p:txBody>
       </p:sp>
@@ -8744,7 +8394,7 @@
           <a:p>
             <a:pPr algn="ctr"/>
             <a:r>
-              <a:rPr lang="en-GB" sz="1400" dirty="0" err="1" smtClean="0">
+              <a:rPr lang="en-GB" sz="1400" dirty="0" err="1">
                 <a:solidFill>
                   <a:schemeClr val="accent1">
                     <a:lumMod val="75000"/>
@@ -8754,7 +8404,7 @@
               <a:t>Websocket</a:t>
             </a:r>
             <a:r>
-              <a:rPr lang="en-GB" sz="1400" dirty="0" smtClean="0">
+              <a:rPr lang="en-GB" sz="1400" dirty="0">
                 <a:solidFill>
                   <a:schemeClr val="accent1">
                     <a:lumMod val="75000"/>
@@ -8767,7 +8417,7 @@
           <a:p>
             <a:pPr algn="ctr"/>
             <a:r>
-              <a:rPr lang="en-GB" sz="1400" dirty="0" smtClean="0">
+              <a:rPr lang="en-GB" sz="1400" dirty="0">
                 <a:solidFill>
                   <a:schemeClr val="accent1">
                     <a:lumMod val="75000"/>
@@ -8776,13 +8426,6 @@
               </a:rPr>
               <a:t>handler</a:t>
             </a:r>
-            <a:endParaRPr lang="en-GB" sz="1400" dirty="0">
-              <a:solidFill>
-                <a:schemeClr val="accent1">
-                  <a:lumMod val="75000"/>
-                </a:schemeClr>
-              </a:solidFill>
-            </a:endParaRPr>
           </a:p>
         </p:txBody>
       </p:sp>
@@ -8836,22 +8479,15 @@
           <a:p>
             <a:pPr algn="ctr"/>
             <a:r>
-              <a:rPr lang="en-GB" sz="1400" dirty="0" smtClean="0">
+              <a:rPr lang="en-GB" sz="1400" dirty="0">
                 <a:solidFill>
                   <a:schemeClr val="accent1">
                     <a:lumMod val="75000"/>
                   </a:schemeClr>
                 </a:solidFill>
               </a:rPr>
-              <a:t>Endpoint2</a:t>
-            </a:r>
-            <a:endParaRPr lang="en-GB" sz="1400" dirty="0">
-              <a:solidFill>
-                <a:schemeClr val="accent1">
-                  <a:lumMod val="75000"/>
-                </a:schemeClr>
-              </a:solidFill>
-            </a:endParaRPr>
+              <a:t>Channel2</a:t>
+            </a:r>
           </a:p>
         </p:txBody>
       </p:sp>
@@ -8905,22 +8541,15 @@
           <a:p>
             <a:pPr algn="ctr"/>
             <a:r>
-              <a:rPr lang="en-GB" sz="1400" dirty="0" smtClean="0">
+              <a:rPr lang="en-GB" sz="1400" dirty="0">
                 <a:solidFill>
                   <a:schemeClr val="accent1">
                     <a:lumMod val="75000"/>
                   </a:schemeClr>
                 </a:solidFill>
               </a:rPr>
-              <a:t>Endpoint1</a:t>
-            </a:r>
-            <a:endParaRPr lang="en-GB" sz="1400" dirty="0">
-              <a:solidFill>
-                <a:schemeClr val="accent1">
-                  <a:lumMod val="75000"/>
-                </a:schemeClr>
-              </a:solidFill>
-            </a:endParaRPr>
+              <a:t>Channel1</a:t>
+            </a:r>
           </a:p>
         </p:txBody>
       </p:sp>
@@ -8974,22 +8603,15 @@
           <a:p>
             <a:pPr algn="ctr"/>
             <a:r>
-              <a:rPr lang="en-GB" sz="1400" dirty="0" smtClean="0">
+              <a:rPr lang="en-GB" sz="1400" dirty="0">
                 <a:solidFill>
                   <a:schemeClr val="accent1">
                     <a:lumMod val="75000"/>
                   </a:schemeClr>
                 </a:solidFill>
               </a:rPr>
-              <a:t>Endpoint3</a:t>
-            </a:r>
-            <a:endParaRPr lang="en-GB" sz="1400" dirty="0">
-              <a:solidFill>
-                <a:schemeClr val="accent1">
-                  <a:lumMod val="75000"/>
-                </a:schemeClr>
-              </a:solidFill>
-            </a:endParaRPr>
+              <a:t>Channel3</a:t>
+            </a:r>
           </a:p>
         </p:txBody>
       </p:sp>
@@ -9136,7 +8758,7 @@
           <a:lstStyle/>
           <a:p>
             <a:r>
-              <a:rPr lang="en-GB" sz="1600" dirty="0" smtClean="0">
+              <a:rPr lang="en-GB" sz="1600" dirty="0">
                 <a:solidFill>
                   <a:srgbClr val="7030A0"/>
                 </a:solidFill>
@@ -9144,7 +8766,7 @@
               <a:t>Notification </a:t>
             </a:r>
             <a:r>
-              <a:rPr lang="en-GB" sz="1600" dirty="0" err="1" smtClean="0">
+              <a:rPr lang="en-GB" sz="1600" dirty="0" err="1">
                 <a:solidFill>
                   <a:srgbClr val="7030A0"/>
                 </a:solidFill>
@@ -9152,7 +8774,7 @@
               <a:t>demux</a:t>
             </a:r>
             <a:r>
-              <a:rPr lang="en-GB" sz="1600" dirty="0" smtClean="0">
+              <a:rPr lang="en-GB" sz="1600" dirty="0">
                 <a:solidFill>
                   <a:srgbClr val="7030A0"/>
                 </a:solidFill>
@@ -9162,7 +8784,7 @@
           </a:p>
           <a:p>
             <a:r>
-              <a:rPr lang="en-GB" sz="1600" dirty="0" smtClean="0">
+              <a:rPr lang="en-GB" sz="1600" dirty="0">
                 <a:solidFill>
                   <a:srgbClr val="7030A0"/>
                 </a:solidFill>
@@ -9170,17 +8792,17 @@
               <a:t>off </a:t>
             </a:r>
             <a:r>
-              <a:rPr lang="en-GB" sz="1600" dirty="0" smtClean="0">
+              <a:rPr lang="en-GB" sz="1600" dirty="0">
                 <a:solidFill>
                   <a:srgbClr val="7030A0"/>
                 </a:solidFill>
                 <a:latin typeface="Franklin Gothic Medium Cond" panose="020B0606030402020204" pitchFamily="34" charset="0"/>
                 <a:cs typeface="Courier New" panose="02070309020205020404" pitchFamily="49" charset="0"/>
               </a:rPr>
-              <a:t>endpoint</a:t>
-            </a:r>
-            <a:r>
-              <a:rPr lang="en-GB" sz="1600" dirty="0" smtClean="0">
+              <a:t>channel</a:t>
+            </a:r>
+            <a:r>
+              <a:rPr lang="en-GB" sz="1600" dirty="0">
                 <a:solidFill>
                   <a:srgbClr val="7030A0"/>
                 </a:solidFill>
@@ -9190,96 +8812,67 @@
             </a:r>
           </a:p>
           <a:p>
-            <a:endParaRPr lang="en-GB" sz="1600" dirty="0" smtClean="0">
-              <a:solidFill>
-                <a:srgbClr val="7030A0"/>
-              </a:solidFill>
-            </a:endParaRPr>
-          </a:p>
-          <a:p>
-            <a:r>
-              <a:rPr lang="en-GB" sz="1600" dirty="0" smtClean="0">
-                <a:solidFill>
-                  <a:srgbClr val="7030A0"/>
-                </a:solidFill>
-              </a:rPr>
-              <a:t>Endpoints  </a:t>
-            </a:r>
-            <a:r>
-              <a:rPr lang="en-GB" sz="1600" dirty="0">
-                <a:solidFill>
-                  <a:srgbClr val="7030A0"/>
-                </a:solidFill>
-              </a:rPr>
-              <a:t>internally use </a:t>
-            </a:r>
-            <a:r>
-              <a:rPr lang="en-GB" sz="1600" dirty="0" smtClean="0">
-                <a:solidFill>
-                  <a:srgbClr val="7030A0"/>
-                </a:solidFill>
-                <a:latin typeface="Franklin Gothic Medium Cond" panose="020B0606030402020204" pitchFamily="34" charset="0"/>
-                <a:ea typeface="Courier New" charset="0"/>
-                <a:cs typeface="Courier New" charset="0"/>
-              </a:rPr>
-              <a:t>target</a:t>
-            </a:r>
-            <a:r>
-              <a:rPr lang="en-GB" sz="1600" dirty="0" smtClean="0">
-                <a:solidFill>
-                  <a:srgbClr val="7030A0"/>
-                </a:solidFill>
-                <a:ea typeface="Courier New" charset="0"/>
-                <a:cs typeface="Courier New" charset="0"/>
-              </a:rPr>
-              <a:t> </a:t>
-            </a:r>
-            <a:r>
-              <a:rPr lang="en-GB" sz="1600" dirty="0" smtClean="0">
-                <a:solidFill>
-                  <a:srgbClr val="7030A0"/>
-                </a:solidFill>
-              </a:rPr>
-              <a:t>value to </a:t>
-            </a:r>
-            <a:r>
-              <a:rPr lang="en-GB" sz="1600" dirty="0" err="1" smtClean="0">
-                <a:solidFill>
-                  <a:srgbClr val="7030A0"/>
-                </a:solidFill>
-              </a:rPr>
-              <a:t>demux</a:t>
-            </a:r>
-            <a:r>
-              <a:rPr lang="en-GB" sz="1600" dirty="0" smtClean="0">
-                <a:solidFill>
-                  <a:srgbClr val="7030A0"/>
-                </a:solidFill>
-              </a:rPr>
-              <a:t> from multiple instances </a:t>
-            </a:r>
-            <a:r>
-              <a:rPr lang="en-GB" sz="1600" dirty="0">
-                <a:solidFill>
-                  <a:srgbClr val="7030A0"/>
-                </a:solidFill>
-              </a:rPr>
-              <a:t>of the same </a:t>
-            </a:r>
-            <a:r>
-              <a:rPr lang="en-GB" sz="1600" dirty="0" smtClean="0">
-                <a:solidFill>
-                  <a:srgbClr val="7030A0"/>
-                </a:solidFill>
-              </a:rPr>
-              <a:t>feature</a:t>
-            </a:r>
             <a:endParaRPr lang="en-GB" sz="1600" dirty="0">
               <a:solidFill>
                 <a:srgbClr val="7030A0"/>
               </a:solidFill>
             </a:endParaRPr>
           </a:p>
+          <a:p>
+            <a:r>
+              <a:rPr lang="en-GB" sz="1600" dirty="0">
+                <a:solidFill>
+                  <a:srgbClr val="7030A0"/>
+                </a:solidFill>
+              </a:rPr>
+              <a:t>Channels internally use </a:t>
+            </a:r>
+            <a:r>
+              <a:rPr lang="en-GB" sz="1600" dirty="0">
+                <a:solidFill>
+                  <a:srgbClr val="7030A0"/>
+                </a:solidFill>
+                <a:latin typeface="Franklin Gothic Medium Cond" panose="020B0606030402020204" pitchFamily="34" charset="0"/>
+                <a:ea typeface="Courier New" charset="0"/>
+                <a:cs typeface="Courier New" charset="0"/>
+              </a:rPr>
+              <a:t>target</a:t>
+            </a:r>
+            <a:r>
+              <a:rPr lang="en-GB" sz="1600" dirty="0">
+                <a:solidFill>
+                  <a:srgbClr val="7030A0"/>
+                </a:solidFill>
+                <a:ea typeface="Courier New" charset="0"/>
+                <a:cs typeface="Courier New" charset="0"/>
+              </a:rPr>
+              <a:t> </a:t>
+            </a:r>
+            <a:r>
+              <a:rPr lang="en-GB" sz="1600" dirty="0">
+                <a:solidFill>
+                  <a:srgbClr val="7030A0"/>
+                </a:solidFill>
+              </a:rPr>
+              <a:t>value to </a:t>
+            </a:r>
+            <a:r>
+              <a:rPr lang="en-GB" sz="1600" dirty="0" err="1">
+                <a:solidFill>
+                  <a:srgbClr val="7030A0"/>
+                </a:solidFill>
+              </a:rPr>
+              <a:t>demux</a:t>
+            </a:r>
+            <a:r>
+              <a:rPr lang="en-GB" sz="1600" dirty="0">
+                <a:solidFill>
+                  <a:srgbClr val="7030A0"/>
+                </a:solidFill>
+              </a:rPr>
+              <a:t> from multiple instances of the same feature</a:t>
+            </a:r>
+          </a:p>
         </p:txBody>
       </p:sp>
       <p:sp>
@@ -9404,23 +8997,7 @@
                   <a:srgbClr val="7030A0"/>
                 </a:solidFill>
               </a:rPr>
-              <a:t>for </a:t>
-            </a:r>
-            <a:r>
-              <a:rPr lang="en-GB" sz="1600" dirty="0" smtClean="0">
-                <a:solidFill>
-                  <a:srgbClr val="7030A0"/>
-                </a:solidFill>
-              </a:rPr>
-              <a:t>configured </a:t>
-            </a:r>
-            <a:r>
-              <a:rPr lang="en-GB" sz="1600" dirty="0">
-                <a:solidFill>
-                  <a:srgbClr val="7030A0"/>
-                </a:solidFill>
-              </a:rPr>
-              <a:t>features, and</a:t>
+              <a:t>for configured features, and</a:t>
             </a:r>
           </a:p>
           <a:p>
@@ -9455,7 +9032,7 @@
                 <a:ea typeface="Courier New" charset="0"/>
                 <a:cs typeface="Courier New" charset="0"/>
               </a:rPr>
-              <a:t>, endpoint, target)</a:t>
+              <a:t>, channel, target)</a:t>
             </a:r>
           </a:p>
           <a:p>
@@ -9465,23 +9042,7 @@
                   <a:srgbClr val="7030A0"/>
                 </a:solidFill>
               </a:rPr>
-              <a:t>for </a:t>
-            </a:r>
-            <a:r>
-              <a:rPr lang="en-GB" sz="1600" dirty="0" smtClean="0">
-                <a:solidFill>
-                  <a:srgbClr val="7030A0"/>
-                </a:solidFill>
-              </a:rPr>
-              <a:t>dynamic </a:t>
-            </a:r>
-            <a:r>
-              <a:rPr lang="en-GB" sz="1600" dirty="0">
-                <a:solidFill>
-                  <a:srgbClr val="7030A0"/>
-                </a:solidFill>
-              </a:rPr>
-              <a:t>features</a:t>
+              <a:t>for dynamic features</a:t>
             </a:r>
           </a:p>
         </p:txBody>
@@ -9778,13 +9339,6 @@
   <p:clrMapOvr>
     <a:masterClrMapping/>
   </p:clrMapOvr>
-  <p:timing>
-    <p:tnLst>
-      <p:par>
-        <p:cTn id="1" dur="indefinite" restart="never" nodeType="tmRoot"/>
-      </p:par>
-    </p:tnLst>
-  </p:timing>
 </p:sld>
 </file>
 
@@ -9841,7 +9395,7 @@
           <a:p>
             <a:pPr algn="r"/>
             <a:r>
-              <a:rPr lang="en-GB" dirty="0" smtClean="0">
+              <a:rPr lang="en-GB" dirty="0">
                 <a:solidFill>
                   <a:schemeClr val="accent1">
                     <a:lumMod val="50000"/>
@@ -9850,13 +9404,6 @@
               </a:rPr>
               <a:t>Client</a:t>
             </a:r>
-            <a:endParaRPr lang="en-GB" dirty="0">
-              <a:solidFill>
-                <a:schemeClr val="accent1">
-                  <a:lumMod val="50000"/>
-                </a:schemeClr>
-              </a:solidFill>
-            </a:endParaRPr>
           </a:p>
         </p:txBody>
       </p:sp>
@@ -9895,7 +9442,7 @@
           <a:lstStyle/>
           <a:p>
             <a:r>
-              <a:rPr lang="en-GB" dirty="0" smtClean="0">
+              <a:rPr lang="en-GB" dirty="0">
                 <a:solidFill>
                   <a:schemeClr val="accent2">
                     <a:lumMod val="50000"/>
@@ -9904,13 +9451,6 @@
               </a:rPr>
               <a:t>Server</a:t>
             </a:r>
-            <a:endParaRPr lang="en-GB" dirty="0">
-              <a:solidFill>
-                <a:schemeClr val="accent2">
-                  <a:lumMod val="50000"/>
-                </a:schemeClr>
-              </a:solidFill>
-            </a:endParaRPr>
           </a:p>
         </p:txBody>
       </p:sp>
@@ -9964,7 +9504,7 @@
           <a:p>
             <a:pPr algn="ctr"/>
             <a:r>
-              <a:rPr lang="en-GB" dirty="0" err="1" smtClean="0">
+              <a:rPr lang="en-GB" dirty="0" err="1">
                 <a:solidFill>
                   <a:schemeClr val="accent6">
                     <a:lumMod val="50000"/>
@@ -10031,7 +9571,7 @@
           <a:p>
             <a:pPr algn="ctr"/>
             <a:r>
-              <a:rPr lang="en-GB" sz="1400" dirty="0" err="1" smtClean="0">
+              <a:rPr lang="en-GB" sz="1400" dirty="0" err="1">
                 <a:solidFill>
                   <a:schemeClr val="accent2">
                     <a:lumMod val="50000"/>
@@ -10041,7 +9581,7 @@
               <a:t>Websocket</a:t>
             </a:r>
             <a:r>
-              <a:rPr lang="en-GB" sz="1400" dirty="0" smtClean="0">
+              <a:rPr lang="en-GB" sz="1400" dirty="0">
                 <a:solidFill>
                   <a:schemeClr val="accent2">
                     <a:lumMod val="50000"/>
@@ -10054,7 +9594,7 @@
           <a:p>
             <a:pPr algn="ctr"/>
             <a:r>
-              <a:rPr lang="en-GB" sz="1400" dirty="0" smtClean="0">
+              <a:rPr lang="en-GB" sz="1400" dirty="0">
                 <a:solidFill>
                   <a:schemeClr val="accent2">
                     <a:lumMod val="50000"/>
@@ -10063,13 +9603,6 @@
               </a:rPr>
               <a:t>handler</a:t>
             </a:r>
-            <a:endParaRPr lang="en-GB" sz="1400" dirty="0">
-              <a:solidFill>
-                <a:schemeClr val="accent2">
-                  <a:lumMod val="50000"/>
-                </a:schemeClr>
-              </a:solidFill>
-            </a:endParaRPr>
           </a:p>
         </p:txBody>
       </p:sp>
@@ -10121,7 +9654,7 @@
           <a:p>
             <a:pPr algn="ctr"/>
             <a:r>
-              <a:rPr lang="en-GB" sz="1400" dirty="0" smtClean="0">
+              <a:rPr lang="en-GB" sz="1400" dirty="0">
                 <a:solidFill>
                   <a:schemeClr val="accent2">
                     <a:lumMod val="50000"/>
@@ -10130,13 +9663,6 @@
               </a:rPr>
               <a:t>Persistence Feature</a:t>
             </a:r>
-            <a:endParaRPr lang="en-GB" sz="1400" dirty="0">
-              <a:solidFill>
-                <a:schemeClr val="accent2">
-                  <a:lumMod val="50000"/>
-                </a:schemeClr>
-              </a:solidFill>
-            </a:endParaRPr>
           </a:p>
         </p:txBody>
       </p:sp>
@@ -10191,7 +9717,7 @@
           <a:p>
             <a:pPr algn="ctr"/>
             <a:r>
-              <a:rPr lang="en-GB" sz="1400" dirty="0" smtClean="0">
+              <a:rPr lang="en-GB" sz="1400" dirty="0">
                 <a:solidFill>
                   <a:schemeClr val="accent2">
                     <a:lumMod val="60000"/>
@@ -10201,14 +9727,6 @@
               </a:rPr>
               <a:t>Feature2</a:t>
             </a:r>
-            <a:endParaRPr lang="en-GB" sz="1400" dirty="0">
-              <a:solidFill>
-                <a:schemeClr val="accent2">
-                  <a:lumMod val="60000"/>
-                  <a:lumOff val="40000"/>
-                </a:schemeClr>
-              </a:solidFill>
-            </a:endParaRPr>
           </a:p>
         </p:txBody>
       </p:sp>
@@ -10263,7 +9781,7 @@
           <a:p>
             <a:pPr algn="ctr"/>
             <a:r>
-              <a:rPr lang="en-GB" sz="1400" dirty="0" smtClean="0">
+              <a:rPr lang="en-GB" sz="1400" dirty="0">
                 <a:solidFill>
                   <a:schemeClr val="accent2">
                     <a:lumMod val="60000"/>
@@ -10273,14 +9791,6 @@
               </a:rPr>
               <a:t>Feature3</a:t>
             </a:r>
-            <a:endParaRPr lang="en-GB" sz="1400" dirty="0">
-              <a:solidFill>
-                <a:schemeClr val="accent2">
-                  <a:lumMod val="60000"/>
-                  <a:lumOff val="40000"/>
-                </a:schemeClr>
-              </a:solidFill>
-            </a:endParaRPr>
           </a:p>
         </p:txBody>
       </p:sp>
@@ -10457,7 +9967,7 @@
           <a:p>
             <a:pPr algn="ctr"/>
             <a:r>
-              <a:rPr lang="en-GB" sz="1400" dirty="0" err="1" smtClean="0">
+              <a:rPr lang="en-GB" sz="1400" dirty="0" err="1">
                 <a:solidFill>
                   <a:schemeClr val="accent1">
                     <a:lumMod val="75000"/>
@@ -10467,7 +9977,7 @@
               <a:t>Websocket</a:t>
             </a:r>
             <a:r>
-              <a:rPr lang="en-GB" sz="1400" dirty="0" smtClean="0">
+              <a:rPr lang="en-GB" sz="1400" dirty="0">
                 <a:solidFill>
                   <a:schemeClr val="accent1">
                     <a:lumMod val="75000"/>
@@ -10480,7 +9990,7 @@
           <a:p>
             <a:pPr algn="ctr"/>
             <a:r>
-              <a:rPr lang="en-GB" sz="1400" dirty="0" smtClean="0">
+              <a:rPr lang="en-GB" sz="1400" dirty="0">
                 <a:solidFill>
                   <a:schemeClr val="accent1">
                     <a:lumMod val="75000"/>
@@ -10489,13 +9999,6 @@
               </a:rPr>
               <a:t>handler</a:t>
             </a:r>
-            <a:endParaRPr lang="en-GB" sz="1400" dirty="0">
-              <a:solidFill>
-                <a:schemeClr val="accent1">
-                  <a:lumMod val="75000"/>
-                </a:schemeClr>
-              </a:solidFill>
-            </a:endParaRPr>
           </a:p>
         </p:txBody>
       </p:sp>
@@ -10547,18 +10050,13 @@
           <a:p>
             <a:pPr algn="ctr"/>
             <a:r>
-              <a:rPr lang="en-GB" sz="1400" dirty="0" smtClean="0">
+              <a:rPr lang="en-GB" sz="1400" dirty="0">
                 <a:solidFill>
                   <a:srgbClr val="FF00FF"/>
                 </a:solidFill>
               </a:rPr>
-              <a:t>Endpoint2</a:t>
-            </a:r>
-            <a:endParaRPr lang="en-GB" sz="1400" dirty="0">
-              <a:solidFill>
-                <a:srgbClr val="FF00FF"/>
-              </a:solidFill>
-            </a:endParaRPr>
+              <a:t>Channel2</a:t>
+            </a:r>
           </a:p>
         </p:txBody>
       </p:sp>
@@ -10610,18 +10108,13 @@
           <a:p>
             <a:pPr algn="ctr"/>
             <a:r>
-              <a:rPr lang="en-GB" sz="1400" dirty="0" smtClean="0">
+              <a:rPr lang="en-GB" sz="1400" dirty="0">
                 <a:solidFill>
                   <a:srgbClr val="7030A0"/>
                 </a:solidFill>
               </a:rPr>
-              <a:t>Endpoint1</a:t>
-            </a:r>
-            <a:endParaRPr lang="en-GB" sz="1400" dirty="0">
-              <a:solidFill>
-                <a:srgbClr val="7030A0"/>
-              </a:solidFill>
-            </a:endParaRPr>
+              <a:t>Channel1</a:t>
+            </a:r>
           </a:p>
         </p:txBody>
       </p:sp>
@@ -10676,7 +10169,7 @@
           <a:p>
             <a:pPr algn="ctr"/>
             <a:r>
-              <a:rPr lang="en-GB" sz="1400" dirty="0" smtClean="0">
+              <a:rPr lang="en-GB" sz="1400" dirty="0">
                 <a:solidFill>
                   <a:schemeClr val="accent1">
                     <a:lumMod val="60000"/>
@@ -10684,16 +10177,8 @@
                   </a:schemeClr>
                 </a:solidFill>
               </a:rPr>
-              <a:t>Endpoint3</a:t>
-            </a:r>
-            <a:endParaRPr lang="en-GB" sz="1400" dirty="0">
-              <a:solidFill>
-                <a:schemeClr val="accent1">
-                  <a:lumMod val="60000"/>
-                  <a:lumOff val="40000"/>
-                </a:schemeClr>
-              </a:solidFill>
-            </a:endParaRPr>
+              <a:t>Channel3</a:t>
+            </a:r>
           </a:p>
         </p:txBody>
       </p:sp>
@@ -11064,39 +10549,23 @@
           <a:p>
             <a:pPr algn="ctr"/>
             <a:r>
-              <a:rPr lang="en-GB" sz="1600" b="1" dirty="0" smtClean="0">
+              <a:rPr lang="en-GB" sz="1600" b="1" dirty="0">
                 <a:solidFill>
                   <a:srgbClr val="7030A0"/>
                 </a:solidFill>
               </a:rPr>
-              <a:t>Two endpoints using the same </a:t>
-            </a:r>
-            <a:r>
-              <a:rPr lang="en-GB" sz="1600" b="1" dirty="0" smtClean="0">
+              <a:t>Two channels using the same configured feature (</a:t>
+            </a:r>
+            <a:r>
+              <a:rPr lang="en-GB" sz="1600" b="1" dirty="0" err="1">
                 <a:solidFill>
                   <a:srgbClr val="7030A0"/>
                 </a:solidFill>
               </a:rPr>
-              <a:t>configured </a:t>
-            </a:r>
-            <a:r>
-              <a:rPr lang="en-GB" sz="1600" b="1" dirty="0" smtClean="0">
-                <a:solidFill>
-                  <a:srgbClr val="7030A0"/>
-                </a:solidFill>
-              </a:rPr>
-              <a:t>feature (</a:t>
-            </a:r>
-            <a:r>
-              <a:rPr lang="en-GB" sz="1600" b="1" dirty="0" err="1" smtClean="0">
-                <a:solidFill>
-                  <a:srgbClr val="7030A0"/>
-                </a:solidFill>
-              </a:rPr>
               <a:t>eg</a:t>
             </a:r>
             <a:r>
-              <a:rPr lang="en-GB" sz="1600" b="1" dirty="0" smtClean="0">
+              <a:rPr lang="en-GB" sz="1600" b="1" dirty="0">
                 <a:solidFill>
                   <a:srgbClr val="7030A0"/>
                 </a:solidFill>
@@ -11110,7 +10579,7 @@
               <a:buChar char="•"/>
             </a:pPr>
             <a:r>
-              <a:rPr lang="en-GB" sz="1400" dirty="0" smtClean="0">
+              <a:rPr lang="en-GB" sz="1400" dirty="0">
                 <a:solidFill>
                   <a:srgbClr val="7030A0"/>
                 </a:solidFill>
@@ -11118,7 +10587,7 @@
               <a:t>Single feature instance created automatically when the </a:t>
             </a:r>
             <a:r>
-              <a:rPr lang="en-GB" sz="1400" dirty="0" err="1" smtClean="0">
+              <a:rPr lang="en-GB" sz="1400" dirty="0" err="1">
                 <a:solidFill>
                   <a:srgbClr val="7030A0"/>
                 </a:solidFill>
@@ -11126,7 +10595,7 @@
               <a:t>websocket</a:t>
             </a:r>
             <a:r>
-              <a:rPr lang="en-GB" sz="1400" dirty="0" smtClean="0">
+              <a:rPr lang="en-GB" sz="1400" dirty="0">
                 <a:solidFill>
                   <a:srgbClr val="7030A0"/>
                 </a:solidFill>
@@ -11140,7 +10609,7 @@
               <a:buChar char="•"/>
             </a:pPr>
             <a:r>
-              <a:rPr lang="en-GB" sz="1400" dirty="0" smtClean="0">
+              <a:rPr lang="en-GB" sz="1400" dirty="0">
                 <a:solidFill>
                   <a:srgbClr val="7030A0"/>
                 </a:solidFill>
@@ -11148,7 +10617,7 @@
               <a:t>Server-side </a:t>
             </a:r>
             <a:r>
-              <a:rPr lang="en-GB" sz="1400" dirty="0" err="1" smtClean="0">
+              <a:rPr lang="en-GB" sz="1400" dirty="0" err="1">
                 <a:solidFill>
                   <a:srgbClr val="7030A0"/>
                 </a:solidFill>
@@ -11156,7 +10625,7 @@
               <a:t>demux</a:t>
             </a:r>
             <a:r>
-              <a:rPr lang="en-GB" sz="1400" dirty="0" smtClean="0">
+              <a:rPr lang="en-GB" sz="1400" dirty="0">
                 <a:solidFill>
                   <a:srgbClr val="7030A0"/>
                 </a:solidFill>
@@ -11164,7 +10633,7 @@
               <a:t> keyed off </a:t>
             </a:r>
             <a:r>
-              <a:rPr lang="en-GB" sz="1400" dirty="0" err="1" smtClean="0">
+              <a:rPr lang="en-GB" sz="1400" dirty="0" err="1">
                 <a:solidFill>
                   <a:srgbClr val="7030A0"/>
                 </a:solidFill>
@@ -11173,7 +10642,7 @@
               </a:rPr>
               <a:t>req_type</a:t>
             </a:r>
-            <a:endParaRPr lang="en-GB" sz="1400" dirty="0" smtClean="0">
+            <a:endParaRPr lang="en-GB" sz="1400" dirty="0">
               <a:solidFill>
                 <a:srgbClr val="7030A0"/>
               </a:solidFill>
@@ -11185,7 +10654,7 @@
               <a:buChar char="•"/>
             </a:pPr>
             <a:r>
-              <a:rPr lang="en-GB" sz="1400" dirty="0" smtClean="0">
+              <a:rPr lang="en-GB" sz="1400" dirty="0">
                 <a:solidFill>
                   <a:srgbClr val="7030A0"/>
                 </a:solidFill>
@@ -11193,7 +10662,7 @@
               <a:t>Client-side </a:t>
             </a:r>
             <a:r>
-              <a:rPr lang="en-GB" sz="1400" dirty="0" err="1" smtClean="0">
+              <a:rPr lang="en-GB" sz="1400" dirty="0" err="1">
                 <a:solidFill>
                   <a:srgbClr val="7030A0"/>
                 </a:solidFill>
@@ -11201,30 +10670,22 @@
               <a:t>demux</a:t>
             </a:r>
             <a:r>
-              <a:rPr lang="en-GB" sz="1400" dirty="0" smtClean="0">
+              <a:rPr lang="en-GB" sz="1400" dirty="0">
                 <a:solidFill>
                   <a:srgbClr val="7030A0"/>
                 </a:solidFill>
               </a:rPr>
-              <a:t> </a:t>
+              <a:t> keyed off </a:t>
             </a:r>
             <a:r>
               <a:rPr lang="en-GB" sz="1400" dirty="0">
-                <a:solidFill>
-                  <a:srgbClr val="7030A0"/>
-                </a:solidFill>
-              </a:rPr>
-              <a:t>keyed off </a:t>
-            </a:r>
-            <a:r>
-              <a:rPr lang="en-GB" sz="1400" dirty="0" smtClean="0">
                 <a:solidFill>
                   <a:srgbClr val="7030A0"/>
                 </a:solidFill>
                 <a:latin typeface="Franklin Gothic Medium Cond" panose="020B0606030402020204" pitchFamily="34" charset="0"/>
                 <a:cs typeface="Courier New" panose="02070309020205020404" pitchFamily="49" charset="0"/>
               </a:rPr>
-              <a:t>endpoint</a:t>
+              <a:t>channel</a:t>
             </a:r>
             <a:endParaRPr lang="en-GB" sz="1400" dirty="0">
               <a:solidFill>
@@ -11257,13 +10718,6 @@
   <p:clrMapOvr>
     <a:masterClrMapping/>
   </p:clrMapOvr>
-  <p:timing>
-    <p:tnLst>
-      <p:par>
-        <p:cTn id="1" dur="indefinite" restart="never" nodeType="tmRoot"/>
-      </p:par>
-    </p:tnLst>
-  </p:timing>
 </p:sld>
 </file>
 
@@ -11320,7 +10774,7 @@
           <a:p>
             <a:pPr algn="r"/>
             <a:r>
-              <a:rPr lang="en-GB" dirty="0" smtClean="0">
+              <a:rPr lang="en-GB" dirty="0">
                 <a:solidFill>
                   <a:schemeClr val="accent1">
                     <a:lumMod val="50000"/>
@@ -11329,13 +10783,6 @@
               </a:rPr>
               <a:t>Client</a:t>
             </a:r>
-            <a:endParaRPr lang="en-GB" dirty="0">
-              <a:solidFill>
-                <a:schemeClr val="accent1">
-                  <a:lumMod val="50000"/>
-                </a:schemeClr>
-              </a:solidFill>
-            </a:endParaRPr>
           </a:p>
         </p:txBody>
       </p:sp>
@@ -11374,7 +10821,7 @@
           <a:lstStyle/>
           <a:p>
             <a:r>
-              <a:rPr lang="en-GB" dirty="0" smtClean="0">
+              <a:rPr lang="en-GB" dirty="0">
                 <a:solidFill>
                   <a:schemeClr val="accent2">
                     <a:lumMod val="50000"/>
@@ -11383,13 +10830,6 @@
               </a:rPr>
               <a:t>Server</a:t>
             </a:r>
-            <a:endParaRPr lang="en-GB" dirty="0">
-              <a:solidFill>
-                <a:schemeClr val="accent2">
-                  <a:lumMod val="50000"/>
-                </a:schemeClr>
-              </a:solidFill>
-            </a:endParaRPr>
           </a:p>
         </p:txBody>
       </p:sp>
@@ -11443,7 +10883,7 @@
           <a:p>
             <a:pPr algn="ctr"/>
             <a:r>
-              <a:rPr lang="en-GB" dirty="0" err="1" smtClean="0">
+              <a:rPr lang="en-GB" dirty="0" err="1">
                 <a:solidFill>
                   <a:schemeClr val="accent6">
                     <a:lumMod val="50000"/>
@@ -11510,7 +10950,7 @@
           <a:p>
             <a:pPr algn="ctr"/>
             <a:r>
-              <a:rPr lang="en-GB" sz="1400" dirty="0" err="1" smtClean="0">
+              <a:rPr lang="en-GB" sz="1400" dirty="0" err="1">
                 <a:solidFill>
                   <a:schemeClr val="accent2">
                     <a:lumMod val="50000"/>
@@ -11520,7 +10960,7 @@
               <a:t>Websocket</a:t>
             </a:r>
             <a:r>
-              <a:rPr lang="en-GB" sz="1400" dirty="0" smtClean="0">
+              <a:rPr lang="en-GB" sz="1400" dirty="0">
                 <a:solidFill>
                   <a:schemeClr val="accent2">
                     <a:lumMod val="50000"/>
@@ -11533,7 +10973,7 @@
           <a:p>
             <a:pPr algn="ctr"/>
             <a:r>
-              <a:rPr lang="en-GB" sz="1400" dirty="0" smtClean="0">
+              <a:rPr lang="en-GB" sz="1400" dirty="0">
                 <a:solidFill>
                   <a:schemeClr val="accent2">
                     <a:lumMod val="50000"/>
@@ -11542,13 +10982,6 @@
               </a:rPr>
               <a:t>handler</a:t>
             </a:r>
-            <a:endParaRPr lang="en-GB" sz="1400" dirty="0">
-              <a:solidFill>
-                <a:schemeClr val="accent2">
-                  <a:lumMod val="50000"/>
-                </a:schemeClr>
-              </a:solidFill>
-            </a:endParaRPr>
           </a:p>
         </p:txBody>
       </p:sp>
@@ -11603,7 +11036,7 @@
           <a:p>
             <a:pPr algn="ctr"/>
             <a:r>
-              <a:rPr lang="en-GB" sz="1400" dirty="0" smtClean="0">
+              <a:rPr lang="en-GB" sz="1400" dirty="0">
                 <a:solidFill>
                   <a:schemeClr val="accent2">
                     <a:lumMod val="60000"/>
@@ -11613,14 +11046,6 @@
               </a:rPr>
               <a:t>Feature</a:t>
             </a:r>
-            <a:endParaRPr lang="en-GB" sz="1400" dirty="0">
-              <a:solidFill>
-                <a:schemeClr val="accent2">
-                  <a:lumMod val="60000"/>
-                  <a:lumOff val="40000"/>
-                </a:schemeClr>
-              </a:solidFill>
-            </a:endParaRPr>
           </a:p>
         </p:txBody>
       </p:sp>
@@ -11672,7 +11097,7 @@
           <a:p>
             <a:pPr algn="ctr"/>
             <a:r>
-              <a:rPr lang="en-GB" sz="1400" dirty="0" err="1" smtClean="0">
+              <a:rPr lang="en-GB" sz="1400" dirty="0" err="1">
                 <a:solidFill>
                   <a:schemeClr val="accent2">
                     <a:lumMod val="50000"/>
@@ -11682,7 +11107,7 @@
               <a:t>Netconf</a:t>
             </a:r>
             <a:r>
-              <a:rPr lang="en-GB" sz="1400" dirty="0" smtClean="0">
+              <a:rPr lang="en-GB" sz="1400" dirty="0">
                 <a:solidFill>
                   <a:schemeClr val="accent2">
                     <a:lumMod val="50000"/>
@@ -11691,13 +11116,6 @@
               </a:rPr>
               <a:t> Feature</a:t>
             </a:r>
-            <a:endParaRPr lang="en-GB" sz="1400" dirty="0">
-              <a:solidFill>
-                <a:schemeClr val="accent2">
-                  <a:lumMod val="50000"/>
-                </a:schemeClr>
-              </a:solidFill>
-            </a:endParaRPr>
           </a:p>
         </p:txBody>
       </p:sp>
@@ -11749,7 +11167,7 @@
           <a:p>
             <a:pPr algn="ctr"/>
             <a:r>
-              <a:rPr lang="en-GB" sz="1400" dirty="0" err="1" smtClean="0">
+              <a:rPr lang="en-GB" sz="1400" dirty="0" err="1">
                 <a:solidFill>
                   <a:schemeClr val="accent2">
                     <a:lumMod val="50000"/>
@@ -11759,7 +11177,7 @@
               <a:t>Netconf</a:t>
             </a:r>
             <a:r>
-              <a:rPr lang="en-GB" sz="1400" dirty="0" smtClean="0">
+              <a:rPr lang="en-GB" sz="1400" dirty="0">
                 <a:solidFill>
                   <a:schemeClr val="accent2">
                     <a:lumMod val="50000"/>
@@ -11768,13 +11186,6 @@
               </a:rPr>
               <a:t> Feature</a:t>
             </a:r>
-            <a:endParaRPr lang="en-GB" sz="1400" dirty="0">
-              <a:solidFill>
-                <a:schemeClr val="accent2">
-                  <a:lumMod val="50000"/>
-                </a:schemeClr>
-              </a:solidFill>
-            </a:endParaRPr>
           </a:p>
         </p:txBody>
       </p:sp>
@@ -11951,7 +11362,7 @@
           <a:p>
             <a:pPr algn="ctr"/>
             <a:r>
-              <a:rPr lang="en-GB" sz="1400" dirty="0" err="1" smtClean="0">
+              <a:rPr lang="en-GB" sz="1400" dirty="0" err="1">
                 <a:solidFill>
                   <a:schemeClr val="accent1">
                     <a:lumMod val="75000"/>
@@ -11961,7 +11372,7 @@
               <a:t>Websocket</a:t>
             </a:r>
             <a:r>
-              <a:rPr lang="en-GB" sz="1400" dirty="0" smtClean="0">
+              <a:rPr lang="en-GB" sz="1400" dirty="0">
                 <a:solidFill>
                   <a:schemeClr val="accent1">
                     <a:lumMod val="75000"/>
@@ -11974,7 +11385,7 @@
           <a:p>
             <a:pPr algn="ctr"/>
             <a:r>
-              <a:rPr lang="en-GB" sz="1400" dirty="0" smtClean="0">
+              <a:rPr lang="en-GB" sz="1400" dirty="0">
                 <a:solidFill>
                   <a:schemeClr val="accent1">
                     <a:lumMod val="75000"/>
@@ -11983,13 +11394,6 @@
               </a:rPr>
               <a:t>handler</a:t>
             </a:r>
-            <a:endParaRPr lang="en-GB" sz="1400" dirty="0">
-              <a:solidFill>
-                <a:schemeClr val="accent1">
-                  <a:lumMod val="75000"/>
-                </a:schemeClr>
-              </a:solidFill>
-            </a:endParaRPr>
           </a:p>
         </p:txBody>
       </p:sp>
@@ -12041,18 +11445,13 @@
           <a:p>
             <a:pPr algn="ctr"/>
             <a:r>
-              <a:rPr lang="en-GB" sz="1400" dirty="0" smtClean="0">
+              <a:rPr lang="en-GB" sz="1400" dirty="0">
                 <a:solidFill>
                   <a:srgbClr val="FF00FF"/>
                 </a:solidFill>
               </a:rPr>
-              <a:t>Endpoint2</a:t>
-            </a:r>
-            <a:endParaRPr lang="en-GB" sz="1400" dirty="0">
-              <a:solidFill>
-                <a:srgbClr val="FF00FF"/>
-              </a:solidFill>
-            </a:endParaRPr>
+              <a:t>Channel2</a:t>
+            </a:r>
           </a:p>
         </p:txBody>
       </p:sp>
@@ -12104,18 +11503,13 @@
           <a:p>
             <a:pPr algn="ctr"/>
             <a:r>
-              <a:rPr lang="en-GB" sz="1400" dirty="0" smtClean="0">
+              <a:rPr lang="en-GB" sz="1400" dirty="0">
                 <a:solidFill>
                   <a:srgbClr val="7030A0"/>
                 </a:solidFill>
               </a:rPr>
-              <a:t>Endpoint1</a:t>
-            </a:r>
-            <a:endParaRPr lang="en-GB" sz="1400" dirty="0">
-              <a:solidFill>
-                <a:srgbClr val="7030A0"/>
-              </a:solidFill>
-            </a:endParaRPr>
+              <a:t>Channel1</a:t>
+            </a:r>
           </a:p>
         </p:txBody>
       </p:sp>
@@ -12170,7 +11564,7 @@
           <a:p>
             <a:pPr algn="ctr"/>
             <a:r>
-              <a:rPr lang="en-GB" sz="1400" dirty="0" smtClean="0">
+              <a:rPr lang="en-GB" sz="1400" dirty="0">
                 <a:solidFill>
                   <a:schemeClr val="accent1">
                     <a:lumMod val="60000"/>
@@ -12178,16 +11572,8 @@
                   </a:schemeClr>
                 </a:solidFill>
               </a:rPr>
-              <a:t>Endpoint3</a:t>
-            </a:r>
-            <a:endParaRPr lang="en-GB" sz="1400" dirty="0">
-              <a:solidFill>
-                <a:schemeClr val="accent1">
-                  <a:lumMod val="60000"/>
-                  <a:lumOff val="40000"/>
-                </a:schemeClr>
-              </a:solidFill>
-            </a:endParaRPr>
+              <a:t>Channel3</a:t>
+            </a:r>
           </a:p>
         </p:txBody>
       </p:sp>
@@ -12546,8 +11932,8 @@
         </p:nvSpPr>
         <p:spPr>
           <a:xfrm>
-            <a:off x="3423852" y="3932200"/>
-            <a:ext cx="6293839" cy="1446550"/>
+            <a:off x="3530291" y="3932200"/>
+            <a:ext cx="6080960" cy="1446550"/>
           </a:xfrm>
           <a:prstGeom prst="rect">
             <a:avLst/>
@@ -12562,55 +11948,39 @@
           <a:p>
             <a:pPr algn="ctr"/>
             <a:r>
-              <a:rPr lang="en-GB" sz="1600" b="1" dirty="0" smtClean="0">
+              <a:rPr lang="en-GB" sz="1600" b="1" dirty="0">
                 <a:solidFill>
                   <a:srgbClr val="7030A0"/>
                 </a:solidFill>
               </a:rPr>
-              <a:t>Two endpoints using the same </a:t>
-            </a:r>
-            <a:r>
-              <a:rPr lang="en-GB" sz="1600" b="1" dirty="0" smtClean="0">
+              <a:t>Two channels using the same dynamic feature (</a:t>
+            </a:r>
+            <a:r>
+              <a:rPr lang="en-GB" sz="1600" b="1" dirty="0" err="1">
                 <a:solidFill>
                   <a:srgbClr val="7030A0"/>
                 </a:solidFill>
               </a:rPr>
-              <a:t>dynamic </a:t>
-            </a:r>
-            <a:r>
-              <a:rPr lang="en-GB" sz="1600" b="1" dirty="0" smtClean="0">
+              <a:t>eg</a:t>
+            </a:r>
+            <a:r>
+              <a:rPr lang="en-GB" sz="1600" b="1" dirty="0">
                 <a:solidFill>
                   <a:srgbClr val="7030A0"/>
                 </a:solidFill>
               </a:rPr>
-              <a:t>feature (</a:t>
-            </a:r>
-            <a:r>
-              <a:rPr lang="en-GB" sz="1600" b="1" dirty="0" err="1" smtClean="0">
+              <a:t> </a:t>
+            </a:r>
+            <a:r>
+              <a:rPr lang="en-GB" sz="1600" b="1" dirty="0" err="1">
                 <a:solidFill>
                   <a:srgbClr val="7030A0"/>
                 </a:solidFill>
               </a:rPr>
-              <a:t>eg</a:t>
-            </a:r>
-            <a:r>
-              <a:rPr lang="en-GB" sz="1600" b="1" dirty="0" smtClean="0">
-                <a:solidFill>
-                  <a:srgbClr val="7030A0"/>
-                </a:solidFill>
-              </a:rPr>
-              <a:t> </a:t>
-            </a:r>
-            <a:r>
-              <a:rPr lang="en-GB" sz="1600" b="1" dirty="0" err="1" smtClean="0">
-                <a:solidFill>
-                  <a:srgbClr val="7030A0"/>
-                </a:solidFill>
-              </a:rPr>
               <a:t>netconf</a:t>
             </a:r>
             <a:r>
-              <a:rPr lang="en-GB" sz="1600" b="1" dirty="0" smtClean="0">
+              <a:rPr lang="en-GB" sz="1600" b="1" dirty="0">
                 <a:solidFill>
                   <a:srgbClr val="7030A0"/>
                 </a:solidFill>
@@ -12624,15 +11994,15 @@
               <a:buChar char="•"/>
             </a:pPr>
             <a:r>
-              <a:rPr lang="en-GB" sz="1400" dirty="0" smtClean="0">
+              <a:rPr lang="en-GB" sz="1400" dirty="0">
                 <a:solidFill>
                   <a:srgbClr val="7030A0"/>
                 </a:solidFill>
               </a:rPr>
-              <a:t>Two feature instances created when  each endpoint invokes </a:t>
-            </a:r>
-            <a:r>
-              <a:rPr lang="en-GB" sz="1400" dirty="0" err="1" smtClean="0">
+              <a:t>Two feature instances created when  each channel invokes </a:t>
+            </a:r>
+            <a:r>
+              <a:rPr lang="en-GB" sz="1400" dirty="0" err="1">
                 <a:solidFill>
                   <a:srgbClr val="7030A0"/>
                 </a:solidFill>
@@ -12641,7 +12011,7 @@
               </a:rPr>
               <a:t>start_feature</a:t>
             </a:r>
-            <a:endParaRPr lang="en-GB" sz="1400" dirty="0" smtClean="0">
+            <a:endParaRPr lang="en-GB" sz="1400" dirty="0">
               <a:solidFill>
                 <a:srgbClr val="7030A0"/>
               </a:solidFill>
@@ -12676,18 +12046,10 @@
                   <a:srgbClr val="7030A0"/>
                 </a:solidFill>
               </a:rPr>
-              <a:t> keyed off </a:t>
-            </a:r>
-            <a:r>
-              <a:rPr lang="en-GB" sz="1400" dirty="0" smtClean="0">
-                <a:solidFill>
-                  <a:srgbClr val="7030A0"/>
-                </a:solidFill>
-              </a:rPr>
-              <a:t>(</a:t>
-            </a:r>
-            <a:r>
-              <a:rPr lang="en-GB" sz="1400" dirty="0" err="1" smtClean="0">
+              <a:t> keyed off (</a:t>
+            </a:r>
+            <a:r>
+              <a:rPr lang="en-GB" sz="1400" dirty="0" err="1">
                 <a:solidFill>
                   <a:srgbClr val="7030A0"/>
                 </a:solidFill>
@@ -12697,28 +12059,23 @@
               <a:t>req_type</a:t>
             </a:r>
             <a:r>
-              <a:rPr lang="en-GB" sz="1400" dirty="0" smtClean="0">
+              <a:rPr lang="en-GB" sz="1400" dirty="0">
                 <a:solidFill>
                   <a:srgbClr val="7030A0"/>
                 </a:solidFill>
                 <a:latin typeface="Franklin Gothic Medium Cond" panose="020B0606030402020204" pitchFamily="34" charset="0"/>
                 <a:cs typeface="Courier New" panose="02070309020205020404" pitchFamily="49" charset="0"/>
               </a:rPr>
-              <a:t>, endpoint, target)</a:t>
-            </a:r>
-            <a:r>
-              <a:rPr lang="en-GB" sz="1400" dirty="0" smtClean="0">
+              <a:t>, channel, target)</a:t>
+            </a:r>
+            <a:r>
+              <a:rPr lang="en-GB" sz="1400" dirty="0">
                 <a:solidFill>
                   <a:srgbClr val="7030A0"/>
                 </a:solidFill>
               </a:rPr>
               <a:t> </a:t>
             </a:r>
-            <a:endParaRPr lang="en-GB" sz="1400" dirty="0">
-              <a:solidFill>
-                <a:srgbClr val="7030A0"/>
-              </a:solidFill>
-            </a:endParaRPr>
           </a:p>
           <a:p>
             <a:pPr marL="285750" indent="-285750">
@@ -12726,7 +12083,7 @@
               <a:buChar char="•"/>
             </a:pPr>
             <a:r>
-              <a:rPr lang="en-GB" sz="1400" dirty="0" smtClean="0">
+              <a:rPr lang="en-GB" sz="1400" dirty="0">
                 <a:solidFill>
                   <a:srgbClr val="7030A0"/>
                 </a:solidFill>
@@ -12734,7 +12091,7 @@
               <a:t>Client-side </a:t>
             </a:r>
             <a:r>
-              <a:rPr lang="en-GB" sz="1400" dirty="0" err="1" smtClean="0">
+              <a:rPr lang="en-GB" sz="1400" dirty="0" err="1">
                 <a:solidFill>
                   <a:srgbClr val="7030A0"/>
                 </a:solidFill>
@@ -12742,7 +12099,7 @@
               <a:t>demux</a:t>
             </a:r>
             <a:r>
-              <a:rPr lang="en-GB" sz="1400" dirty="0" smtClean="0">
+              <a:rPr lang="en-GB" sz="1400" dirty="0">
                 <a:solidFill>
                   <a:srgbClr val="7030A0"/>
                 </a:solidFill>
@@ -12750,7 +12107,7 @@
               <a:t> keyed off </a:t>
             </a:r>
             <a:r>
-              <a:rPr lang="en-GB" sz="1400" dirty="0" smtClean="0">
+              <a:rPr lang="en-GB" sz="1400" dirty="0">
                 <a:solidFill>
                   <a:srgbClr val="7030A0"/>
                 </a:solidFill>
@@ -12758,20 +12115,12 @@
                 <a:ea typeface="Courier New" charset="0"/>
                 <a:cs typeface="Courier New" charset="0"/>
               </a:rPr>
-              <a:t>endpoint</a:t>
-            </a:r>
+              <a:t>channel</a:t>
+            </a:r>
+          </a:p>
+          <a:p>
+            <a:pPr algn="ctr"/>
             <a:endParaRPr lang="en-GB" sz="1400" dirty="0">
-              <a:solidFill>
-                <a:srgbClr val="7030A0"/>
-              </a:solidFill>
-              <a:latin typeface="Franklin Gothic Medium Cond" panose="020B0606030402020204" pitchFamily="34" charset="0"/>
-              <a:ea typeface="Courier New" charset="0"/>
-              <a:cs typeface="Courier New" charset="0"/>
-            </a:endParaRPr>
-          </a:p>
-          <a:p>
-            <a:pPr algn="ctr"/>
-            <a:endParaRPr lang="en-GB" sz="1400" dirty="0" smtClean="0">
               <a:solidFill>
                 <a:srgbClr val="7030A0"/>
               </a:solidFill>
@@ -12799,13 +12148,6 @@
   <p:clrMapOvr>
     <a:masterClrMapping/>
   </p:clrMapOvr>
-  <p:timing>
-    <p:tnLst>
-      <p:par>
-        <p:cTn id="1" dur="indefinite" restart="never" nodeType="tmRoot"/>
-      </p:par>
-    </p:tnLst>
-  </p:timing>
 </p:sld>
 </file>
 
@@ -12862,7 +12204,7 @@
           <a:p>
             <a:pPr algn="r"/>
             <a:r>
-              <a:rPr lang="en-GB" dirty="0" smtClean="0">
+              <a:rPr lang="en-GB" dirty="0">
                 <a:solidFill>
                   <a:schemeClr val="accent1">
                     <a:lumMod val="50000"/>
@@ -12871,13 +12213,6 @@
               </a:rPr>
               <a:t>Client</a:t>
             </a:r>
-            <a:endParaRPr lang="en-GB" dirty="0">
-              <a:solidFill>
-                <a:schemeClr val="accent1">
-                  <a:lumMod val="50000"/>
-                </a:schemeClr>
-              </a:solidFill>
-            </a:endParaRPr>
           </a:p>
         </p:txBody>
       </p:sp>
@@ -12916,7 +12251,7 @@
           <a:lstStyle/>
           <a:p>
             <a:r>
-              <a:rPr lang="en-GB" dirty="0" smtClean="0">
+              <a:rPr lang="en-GB" dirty="0">
                 <a:solidFill>
                   <a:schemeClr val="accent2">
                     <a:lumMod val="50000"/>
@@ -12925,13 +12260,6 @@
               </a:rPr>
               <a:t>Server</a:t>
             </a:r>
-            <a:endParaRPr lang="en-GB" dirty="0">
-              <a:solidFill>
-                <a:schemeClr val="accent2">
-                  <a:lumMod val="50000"/>
-                </a:schemeClr>
-              </a:solidFill>
-            </a:endParaRPr>
           </a:p>
         </p:txBody>
       </p:sp>
@@ -12985,7 +12313,7 @@
           <a:p>
             <a:pPr algn="ctr"/>
             <a:r>
-              <a:rPr lang="en-GB" dirty="0" err="1" smtClean="0">
+              <a:rPr lang="en-GB" dirty="0" err="1">
                 <a:solidFill>
                   <a:schemeClr val="accent6">
                     <a:lumMod val="50000"/>
@@ -13052,7 +12380,7 @@
           <a:p>
             <a:pPr algn="ctr"/>
             <a:r>
-              <a:rPr lang="en-GB" sz="1400" dirty="0" err="1" smtClean="0">
+              <a:rPr lang="en-GB" sz="1400" dirty="0" err="1">
                 <a:solidFill>
                   <a:schemeClr val="accent2">
                     <a:lumMod val="50000"/>
@@ -13062,7 +12390,7 @@
               <a:t>Websocket</a:t>
             </a:r>
             <a:r>
-              <a:rPr lang="en-GB" sz="1400" dirty="0" smtClean="0">
+              <a:rPr lang="en-GB" sz="1400" dirty="0">
                 <a:solidFill>
                   <a:schemeClr val="accent2">
                     <a:lumMod val="50000"/>
@@ -13075,7 +12403,7 @@
           <a:p>
             <a:pPr algn="ctr"/>
             <a:r>
-              <a:rPr lang="en-GB" sz="1400" dirty="0" smtClean="0">
+              <a:rPr lang="en-GB" sz="1400" dirty="0">
                 <a:solidFill>
                   <a:schemeClr val="accent2">
                     <a:lumMod val="50000"/>
@@ -13084,13 +12412,6 @@
               </a:rPr>
               <a:t>handler</a:t>
             </a:r>
-            <a:endParaRPr lang="en-GB" sz="1400" dirty="0">
-              <a:solidFill>
-                <a:schemeClr val="accent2">
-                  <a:lumMod val="50000"/>
-                </a:schemeClr>
-              </a:solidFill>
-            </a:endParaRPr>
           </a:p>
         </p:txBody>
       </p:sp>
@@ -13145,7 +12466,7 @@
           <a:p>
             <a:pPr algn="ctr"/>
             <a:r>
-              <a:rPr lang="en-GB" sz="1400" dirty="0" smtClean="0">
+              <a:rPr lang="en-GB" sz="1400" dirty="0">
                 <a:solidFill>
                   <a:schemeClr val="accent2">
                     <a:lumMod val="60000"/>
@@ -13155,14 +12476,6 @@
               </a:rPr>
               <a:t>Feature</a:t>
             </a:r>
-            <a:endParaRPr lang="en-GB" sz="1400" dirty="0">
-              <a:solidFill>
-                <a:schemeClr val="accent2">
-                  <a:lumMod val="60000"/>
-                  <a:lumOff val="40000"/>
-                </a:schemeClr>
-              </a:solidFill>
-            </a:endParaRPr>
           </a:p>
         </p:txBody>
       </p:sp>
@@ -13214,7 +12527,7 @@
           <a:p>
             <a:pPr algn="ctr"/>
             <a:r>
-              <a:rPr lang="en-GB" sz="1400" dirty="0" err="1" smtClean="0">
+              <a:rPr lang="en-GB" sz="1400" dirty="0" err="1">
                 <a:solidFill>
                   <a:srgbClr val="7030A0"/>
                 </a:solidFill>
@@ -13222,18 +12535,13 @@
               <a:t>Netconf</a:t>
             </a:r>
             <a:r>
-              <a:rPr lang="en-GB" sz="1400" dirty="0" smtClean="0">
+              <a:rPr lang="en-GB" sz="1400" dirty="0">
                 <a:solidFill>
                   <a:srgbClr val="7030A0"/>
                 </a:solidFill>
               </a:rPr>
               <a:t> Feature</a:t>
             </a:r>
-            <a:endParaRPr lang="en-GB" sz="1400" dirty="0">
-              <a:solidFill>
-                <a:srgbClr val="7030A0"/>
-              </a:solidFill>
-            </a:endParaRPr>
           </a:p>
         </p:txBody>
       </p:sp>
@@ -13285,7 +12593,7 @@
           <a:p>
             <a:pPr algn="ctr"/>
             <a:r>
-              <a:rPr lang="en-GB" sz="1400" dirty="0" err="1" smtClean="0">
+              <a:rPr lang="en-GB" sz="1400" dirty="0" err="1">
                 <a:solidFill>
                   <a:srgbClr val="FF00FF"/>
                 </a:solidFill>
@@ -13293,18 +12601,13 @@
               <a:t>Netconf</a:t>
             </a:r>
             <a:r>
-              <a:rPr lang="en-GB" sz="1400" dirty="0" smtClean="0">
+              <a:rPr lang="en-GB" sz="1400" dirty="0">
                 <a:solidFill>
                   <a:srgbClr val="FF00FF"/>
                 </a:solidFill>
               </a:rPr>
               <a:t> Feature</a:t>
             </a:r>
-            <a:endParaRPr lang="en-GB" sz="1400" dirty="0">
-              <a:solidFill>
-                <a:srgbClr val="FF00FF"/>
-              </a:solidFill>
-            </a:endParaRPr>
           </a:p>
         </p:txBody>
       </p:sp>
@@ -13481,7 +12784,7 @@
           <a:p>
             <a:pPr algn="ctr"/>
             <a:r>
-              <a:rPr lang="en-GB" sz="1400" dirty="0" err="1" smtClean="0">
+              <a:rPr lang="en-GB" sz="1400" dirty="0" err="1">
                 <a:solidFill>
                   <a:schemeClr val="accent1">
                     <a:lumMod val="75000"/>
@@ -13491,7 +12794,7 @@
               <a:t>Websocket</a:t>
             </a:r>
             <a:r>
-              <a:rPr lang="en-GB" sz="1400" dirty="0" smtClean="0">
+              <a:rPr lang="en-GB" sz="1400" dirty="0">
                 <a:solidFill>
                   <a:schemeClr val="accent1">
                     <a:lumMod val="75000"/>
@@ -13504,7 +12807,7 @@
           <a:p>
             <a:pPr algn="ctr"/>
             <a:r>
-              <a:rPr lang="en-GB" sz="1400" dirty="0" smtClean="0">
+              <a:rPr lang="en-GB" sz="1400" dirty="0">
                 <a:solidFill>
                   <a:schemeClr val="accent1">
                     <a:lumMod val="75000"/>
@@ -13513,13 +12816,6 @@
               </a:rPr>
               <a:t>handler</a:t>
             </a:r>
-            <a:endParaRPr lang="en-GB" sz="1400" dirty="0">
-              <a:solidFill>
-                <a:schemeClr val="accent1">
-                  <a:lumMod val="75000"/>
-                </a:schemeClr>
-              </a:solidFill>
-            </a:endParaRPr>
           </a:p>
         </p:txBody>
       </p:sp>
@@ -13574,7 +12870,7 @@
           <a:p>
             <a:pPr algn="ctr"/>
             <a:r>
-              <a:rPr lang="en-GB" sz="1400" dirty="0" smtClean="0">
+              <a:rPr lang="en-GB" sz="1400" dirty="0">
                 <a:solidFill>
                   <a:schemeClr val="accent1">
                     <a:lumMod val="60000"/>
@@ -13582,16 +12878,8 @@
                   </a:schemeClr>
                 </a:solidFill>
               </a:rPr>
-              <a:t>Endpoint2</a:t>
-            </a:r>
-            <a:endParaRPr lang="en-GB" sz="1400" dirty="0">
-              <a:solidFill>
-                <a:schemeClr val="accent1">
-                  <a:lumMod val="60000"/>
-                  <a:lumOff val="40000"/>
-                </a:schemeClr>
-              </a:solidFill>
-            </a:endParaRPr>
+              <a:t>Channel2</a:t>
+            </a:r>
           </a:p>
         </p:txBody>
       </p:sp>
@@ -13643,22 +12931,15 @@
           <a:p>
             <a:pPr algn="ctr"/>
             <a:r>
-              <a:rPr lang="en-GB" sz="1400" dirty="0" smtClean="0">
+              <a:rPr lang="en-GB" sz="1400" dirty="0">
                 <a:solidFill>
                   <a:schemeClr val="accent1">
                     <a:lumMod val="50000"/>
                   </a:schemeClr>
                 </a:solidFill>
               </a:rPr>
-              <a:t>Endpoint1</a:t>
-            </a:r>
-            <a:endParaRPr lang="en-GB" sz="1400" dirty="0">
-              <a:solidFill>
-                <a:schemeClr val="accent1">
-                  <a:lumMod val="50000"/>
-                </a:schemeClr>
-              </a:solidFill>
-            </a:endParaRPr>
+              <a:t>Channel1</a:t>
+            </a:r>
           </a:p>
         </p:txBody>
       </p:sp>
@@ -13713,7 +12994,7 @@
           <a:p>
             <a:pPr algn="ctr"/>
             <a:r>
-              <a:rPr lang="en-GB" sz="1400" dirty="0" smtClean="0">
+              <a:rPr lang="en-GB" sz="1400" dirty="0">
                 <a:solidFill>
                   <a:schemeClr val="accent1">
                     <a:lumMod val="60000"/>
@@ -13721,16 +13002,8 @@
                   </a:schemeClr>
                 </a:solidFill>
               </a:rPr>
-              <a:t>Endpoint3</a:t>
-            </a:r>
-            <a:endParaRPr lang="en-GB" sz="1400" dirty="0">
-              <a:solidFill>
-                <a:schemeClr val="accent1">
-                  <a:lumMod val="60000"/>
-                  <a:lumOff val="40000"/>
-                </a:schemeClr>
-              </a:solidFill>
-            </a:endParaRPr>
+              <a:t>Channel3</a:t>
+            </a:r>
           </a:p>
         </p:txBody>
       </p:sp>
@@ -14104,55 +13377,39 @@
           <a:p>
             <a:pPr algn="ctr"/>
             <a:r>
-              <a:rPr lang="en-GB" sz="1600" b="1" dirty="0" smtClean="0">
+              <a:rPr lang="en-GB" sz="1600" b="1" dirty="0">
                 <a:solidFill>
                   <a:srgbClr val="7030A0"/>
                 </a:solidFill>
               </a:rPr>
-              <a:t>One endpoint using the same </a:t>
-            </a:r>
-            <a:r>
-              <a:rPr lang="en-GB" sz="1600" b="1" dirty="0" smtClean="0">
+              <a:t>One channel using the same dynamic feature (</a:t>
+            </a:r>
+            <a:r>
+              <a:rPr lang="en-GB" sz="1600" b="1" dirty="0" err="1">
                 <a:solidFill>
                   <a:srgbClr val="7030A0"/>
                 </a:solidFill>
               </a:rPr>
-              <a:t>dynamic </a:t>
-            </a:r>
-            <a:r>
-              <a:rPr lang="en-GB" sz="1600" b="1" dirty="0" smtClean="0">
+              <a:t>eg</a:t>
+            </a:r>
+            <a:r>
+              <a:rPr lang="en-GB" sz="1600" b="1" dirty="0">
                 <a:solidFill>
                   <a:srgbClr val="7030A0"/>
                 </a:solidFill>
               </a:rPr>
-              <a:t>feature (</a:t>
-            </a:r>
-            <a:r>
-              <a:rPr lang="en-GB" sz="1600" b="1" dirty="0" err="1" smtClean="0">
+              <a:t> </a:t>
+            </a:r>
+            <a:r>
+              <a:rPr lang="en-GB" sz="1600" b="1" dirty="0" err="1">
                 <a:solidFill>
                   <a:srgbClr val="7030A0"/>
                 </a:solidFill>
               </a:rPr>
-              <a:t>eg</a:t>
-            </a:r>
-            <a:r>
-              <a:rPr lang="en-GB" sz="1600" b="1" dirty="0" smtClean="0">
-                <a:solidFill>
-                  <a:srgbClr val="7030A0"/>
-                </a:solidFill>
-              </a:rPr>
-              <a:t> </a:t>
-            </a:r>
-            <a:r>
-              <a:rPr lang="en-GB" sz="1600" b="1" dirty="0" err="1" smtClean="0">
-                <a:solidFill>
-                  <a:srgbClr val="7030A0"/>
-                </a:solidFill>
-              </a:rPr>
               <a:t>netconf</a:t>
             </a:r>
             <a:r>
-              <a:rPr lang="en-GB" sz="1600" b="1" dirty="0" smtClean="0">
+              <a:rPr lang="en-GB" sz="1600" b="1" dirty="0">
                 <a:solidFill>
                   <a:srgbClr val="7030A0"/>
                 </a:solidFill>
@@ -14166,15 +13423,15 @@
               <a:buChar char="•"/>
             </a:pPr>
             <a:r>
-              <a:rPr lang="en-GB" sz="1400" dirty="0" smtClean="0">
+              <a:rPr lang="en-GB" sz="1400" dirty="0">
                 <a:solidFill>
                   <a:srgbClr val="7030A0"/>
                 </a:solidFill>
               </a:rPr>
-              <a:t>Two feature instances created when the endpoint invokes </a:t>
-            </a:r>
-            <a:r>
-              <a:rPr lang="en-GB" sz="1400" dirty="0" err="1" smtClean="0">
+              <a:t>Two feature instances created when the channel invokes </a:t>
+            </a:r>
+            <a:r>
+              <a:rPr lang="en-GB" sz="1400" dirty="0" err="1">
                 <a:solidFill>
                   <a:srgbClr val="7030A0"/>
                 </a:solidFill>
@@ -14184,7 +13441,7 @@
               <a:t>start_feature</a:t>
             </a:r>
             <a:r>
-              <a:rPr lang="en-GB" sz="1400" dirty="0" smtClean="0">
+              <a:rPr lang="en-GB" sz="1400" dirty="0">
                 <a:solidFill>
                   <a:srgbClr val="7030A0"/>
                 </a:solidFill>
@@ -14192,7 +13449,7 @@
               <a:t> for the same </a:t>
             </a:r>
             <a:r>
-              <a:rPr lang="en-GB" sz="1400" dirty="0" smtClean="0">
+              <a:rPr lang="en-GB" sz="1400" dirty="0">
                 <a:solidFill>
                   <a:srgbClr val="7030A0"/>
                 </a:solidFill>
@@ -14203,7 +13460,7 @@
               <a:t>feature</a:t>
             </a:r>
             <a:r>
-              <a:rPr lang="en-GB" sz="1400" dirty="0" smtClean="0">
+              <a:rPr lang="en-GB" sz="1400" dirty="0">
                 <a:solidFill>
                   <a:srgbClr val="7030A0"/>
                 </a:solidFill>
@@ -14211,7 +13468,7 @@
               <a:t> (</a:t>
             </a:r>
             <a:r>
-              <a:rPr lang="en-GB" sz="1400" dirty="0" err="1" smtClean="0">
+              <a:rPr lang="en-GB" sz="1400" dirty="0" err="1">
                 <a:solidFill>
                   <a:srgbClr val="7030A0"/>
                 </a:solidFill>
@@ -14219,7 +13476,7 @@
               <a:t>eg</a:t>
             </a:r>
             <a:r>
-              <a:rPr lang="en-GB" sz="1400" dirty="0" smtClean="0">
+              <a:rPr lang="en-GB" sz="1400" dirty="0">
                 <a:solidFill>
                   <a:srgbClr val="7030A0"/>
                 </a:solidFill>
@@ -14227,7 +13484,7 @@
               <a:t> “</a:t>
             </a:r>
             <a:r>
-              <a:rPr lang="en-GB" sz="1400" dirty="0" err="1" smtClean="0">
+              <a:rPr lang="en-GB" sz="1400" dirty="0" err="1">
                 <a:solidFill>
                   <a:srgbClr val="7030A0"/>
                 </a:solidFill>
@@ -14238,7 +13495,7 @@
               <a:t>netconf</a:t>
             </a:r>
             <a:r>
-              <a:rPr lang="en-GB" sz="1400" dirty="0" smtClean="0">
+              <a:rPr lang="en-GB" sz="1400" dirty="0">
                 <a:solidFill>
                   <a:srgbClr val="7030A0"/>
                 </a:solidFill>
@@ -14249,7 +13506,7 @@
               <a:t>”</a:t>
             </a:r>
             <a:r>
-              <a:rPr lang="en-GB" sz="1400" dirty="0" smtClean="0">
+              <a:rPr lang="en-GB" sz="1400" dirty="0">
                 <a:solidFill>
                   <a:srgbClr val="7030A0"/>
                 </a:solidFill>
@@ -14257,7 +13514,7 @@
               <a:t>) and two distinct </a:t>
             </a:r>
             <a:r>
-              <a:rPr lang="en-GB" sz="1400" dirty="0" smtClean="0">
+              <a:rPr lang="en-GB" sz="1400" dirty="0">
                 <a:solidFill>
                   <a:srgbClr val="7030A0"/>
                 </a:solidFill>
@@ -14268,7 +13525,7 @@
               <a:t>target</a:t>
             </a:r>
             <a:r>
-              <a:rPr lang="en-GB" sz="1400" dirty="0" smtClean="0">
+              <a:rPr lang="en-GB" sz="1400" dirty="0">
                 <a:solidFill>
                   <a:srgbClr val="7030A0"/>
                 </a:solidFill>
@@ -14276,7 +13533,7 @@
               <a:t> values (</a:t>
             </a:r>
             <a:r>
-              <a:rPr lang="en-GB" sz="1400" dirty="0" err="1" smtClean="0">
+              <a:rPr lang="en-GB" sz="1400" dirty="0" err="1">
                 <a:solidFill>
                   <a:srgbClr val="7030A0"/>
                 </a:solidFill>
@@ -14284,7 +13541,7 @@
               <a:t>eg</a:t>
             </a:r>
             <a:r>
-              <a:rPr lang="en-GB" sz="1400" dirty="0" smtClean="0">
+              <a:rPr lang="en-GB" sz="1400" dirty="0">
                 <a:solidFill>
                   <a:srgbClr val="7030A0"/>
                 </a:solidFill>
@@ -14292,7 +13549,7 @@
               <a:t> </a:t>
             </a:r>
             <a:r>
-              <a:rPr lang="en-GB" sz="1400" dirty="0" smtClean="0">
+              <a:rPr lang="en-GB" sz="1400" dirty="0">
                 <a:solidFill>
                   <a:srgbClr val="7030A0"/>
                 </a:solidFill>
@@ -14303,7 +13560,7 @@
               <a:t>“router1”</a:t>
             </a:r>
             <a:r>
-              <a:rPr lang="en-GB" sz="1400" dirty="0" smtClean="0">
+              <a:rPr lang="en-GB" sz="1400" dirty="0">
                 <a:solidFill>
                   <a:srgbClr val="7030A0"/>
                 </a:solidFill>
@@ -14311,7 +13568,7 @@
               <a:t> and </a:t>
             </a:r>
             <a:r>
-              <a:rPr lang="en-GB" sz="1400" dirty="0" smtClean="0">
+              <a:rPr lang="en-GB" sz="1400" dirty="0">
                 <a:solidFill>
                   <a:srgbClr val="7030A0"/>
                 </a:solidFill>
@@ -14322,7 +13579,7 @@
               <a:t>“router2”</a:t>
             </a:r>
             <a:r>
-              <a:rPr lang="en-GB" sz="1400" dirty="0" smtClean="0">
+              <a:rPr lang="en-GB" sz="1400" dirty="0">
                 <a:solidFill>
                   <a:srgbClr val="7030A0"/>
                 </a:solidFill>
@@ -14336,7 +13593,7 @@
               <a:buChar char="•"/>
             </a:pPr>
             <a:r>
-              <a:rPr lang="en-GB" sz="1400" dirty="0" smtClean="0">
+              <a:rPr lang="en-GB" sz="1400" dirty="0">
                 <a:solidFill>
                   <a:srgbClr val="7030A0"/>
                 </a:solidFill>
@@ -14357,18 +13614,10 @@
                   <a:srgbClr val="7030A0"/>
                 </a:solidFill>
               </a:rPr>
-              <a:t> keyed off </a:t>
-            </a:r>
-            <a:r>
-              <a:rPr lang="en-GB" sz="1400" dirty="0" smtClean="0">
-                <a:solidFill>
-                  <a:srgbClr val="7030A0"/>
-                </a:solidFill>
-              </a:rPr>
-              <a:t>(</a:t>
-            </a:r>
-            <a:r>
-              <a:rPr lang="en-GB" sz="1400" dirty="0" err="1" smtClean="0">
+              <a:t> keyed off (</a:t>
+            </a:r>
+            <a:r>
+              <a:rPr lang="en-GB" sz="1400" dirty="0" err="1">
                 <a:solidFill>
                   <a:srgbClr val="7030A0"/>
                 </a:solidFill>
@@ -14378,17 +13627,17 @@
               <a:t>req_type</a:t>
             </a:r>
             <a:r>
-              <a:rPr lang="en-GB" sz="1400" dirty="0" smtClean="0">
+              <a:rPr lang="en-GB" sz="1400" dirty="0">
                 <a:solidFill>
                   <a:srgbClr val="7030A0"/>
                 </a:solidFill>
                 <a:latin typeface="Franklin Gothic Medium Cond" panose="020B0606030402020204" pitchFamily="34" charset="0"/>
                 <a:cs typeface="Courier New" panose="02070309020205020404" pitchFamily="49" charset="0"/>
               </a:rPr>
-              <a:t>, endpoint, target)</a:t>
-            </a:r>
-            <a:r>
-              <a:rPr lang="en-GB" sz="1400" dirty="0" smtClean="0">
+              <a:t>, channel, target)</a:t>
+            </a:r>
+            <a:r>
+              <a:rPr lang="en-GB" sz="1400" dirty="0">
                 <a:solidFill>
                   <a:srgbClr val="7030A0"/>
                 </a:solidFill>
@@ -14402,7 +13651,7 @@
               <a:buChar char="•"/>
             </a:pPr>
             <a:r>
-              <a:rPr lang="en-GB" sz="1400" dirty="0" smtClean="0">
+              <a:rPr lang="en-GB" sz="1400" dirty="0">
                 <a:solidFill>
                   <a:srgbClr val="7030A0"/>
                 </a:solidFill>
@@ -14410,7 +13659,7 @@
               <a:t>Client-side </a:t>
             </a:r>
             <a:r>
-              <a:rPr lang="en-GB" sz="1400" dirty="0" err="1" smtClean="0">
+              <a:rPr lang="en-GB" sz="1400" dirty="0" err="1">
                 <a:solidFill>
                   <a:srgbClr val="7030A0"/>
                 </a:solidFill>
@@ -14418,7 +13667,7 @@
               <a:t>demux</a:t>
             </a:r>
             <a:r>
-              <a:rPr lang="en-GB" sz="1400" dirty="0" smtClean="0">
+              <a:rPr lang="en-GB" sz="1400" dirty="0">
                 <a:solidFill>
                   <a:srgbClr val="7030A0"/>
                 </a:solidFill>
@@ -14426,7 +13675,7 @@
               <a:t> keyed off just </a:t>
             </a:r>
             <a:r>
-              <a:rPr lang="en-GB" sz="1400" dirty="0" smtClean="0">
+              <a:rPr lang="en-GB" sz="1400" dirty="0">
                 <a:solidFill>
                   <a:srgbClr val="7030A0"/>
                 </a:solidFill>
@@ -14434,9 +13683,9 @@
                 <a:ea typeface="Courier New" charset="0"/>
                 <a:cs typeface="Courier New" charset="0"/>
               </a:rPr>
-              <a:t>endpoint</a:t>
-            </a:r>
-            <a:endParaRPr lang="en-GB" sz="1400" dirty="0" smtClean="0">
+              <a:t>channel</a:t>
+            </a:r>
+            <a:endParaRPr lang="en-GB" sz="1400" dirty="0">
               <a:solidFill>
                 <a:srgbClr val="7030A0"/>
               </a:solidFill>
@@ -14448,7 +13697,7 @@
               <a:buChar char="•"/>
             </a:pPr>
             <a:r>
-              <a:rPr lang="en-GB" sz="1400" dirty="0" smtClean="0">
+              <a:rPr lang="en-GB" sz="1400" dirty="0">
                 <a:solidFill>
                   <a:srgbClr val="7030A0"/>
                 </a:solidFill>
@@ -14456,7 +13705,7 @@
               <a:t>Notifications have </a:t>
             </a:r>
             <a:r>
-              <a:rPr lang="en-GB" sz="1400" dirty="0" smtClean="0">
+              <a:rPr lang="en-GB" sz="1400" dirty="0">
                 <a:solidFill>
                   <a:srgbClr val="7030A0"/>
                 </a:solidFill>
@@ -14467,7 +13716,7 @@
               <a:t>target</a:t>
             </a:r>
             <a:r>
-              <a:rPr lang="en-GB" sz="1400" dirty="0" smtClean="0">
+              <a:rPr lang="en-GB" sz="1400" dirty="0">
                 <a:solidFill>
                   <a:srgbClr val="7030A0"/>
                 </a:solidFill>
@@ -14475,7 +13724,7 @@
               <a:t> set to either </a:t>
             </a:r>
             <a:r>
-              <a:rPr lang="en-GB" sz="1400" dirty="0" smtClean="0">
+              <a:rPr lang="en-GB" sz="1400" dirty="0">
                 <a:solidFill>
                   <a:srgbClr val="7030A0"/>
                 </a:solidFill>
@@ -14486,7 +13735,7 @@
               <a:t>“router1”</a:t>
             </a:r>
             <a:r>
-              <a:rPr lang="en-GB" sz="1400" dirty="0" smtClean="0">
+              <a:rPr lang="en-GB" sz="1400" dirty="0">
                 <a:solidFill>
                   <a:srgbClr val="7030A0"/>
                 </a:solidFill>
@@ -14494,7 +13743,7 @@
               <a:t> or </a:t>
             </a:r>
             <a:r>
-              <a:rPr lang="en-GB" sz="1400" dirty="0" smtClean="0">
+              <a:rPr lang="en-GB" sz="1400" dirty="0">
                 <a:solidFill>
                   <a:srgbClr val="7030A0"/>
                 </a:solidFill>
@@ -14505,12 +13754,12 @@
               <a:t>“router2”</a:t>
             </a:r>
             <a:r>
-              <a:rPr lang="en-GB" sz="1400" dirty="0" smtClean="0">
+              <a:rPr lang="en-GB" sz="1400" dirty="0">
                 <a:solidFill>
                   <a:srgbClr val="7030A0"/>
                 </a:solidFill>
               </a:rPr>
-              <a:t>, so endpoint can internally disambiguate</a:t>
+              <a:t>, so channel can internally disambiguate</a:t>
             </a:r>
           </a:p>
           <a:p>
@@ -14548,18 +13797,13 @@
           <a:lstStyle/>
           <a:p>
             <a:r>
-              <a:rPr lang="en-US" sz="1400" smtClean="0">
+              <a:rPr lang="en-US" sz="1400">
                 <a:solidFill>
                   <a:srgbClr val="7030A0"/>
                 </a:solidFill>
               </a:rPr>
               <a:t>target=”router1”</a:t>
             </a:r>
-            <a:endParaRPr lang="en-US" sz="1400">
-              <a:solidFill>
-                <a:srgbClr val="7030A0"/>
-              </a:solidFill>
-            </a:endParaRPr>
           </a:p>
         </p:txBody>
       </p:sp>
@@ -14586,18 +13830,13 @@
           <a:lstStyle/>
           <a:p>
             <a:r>
-              <a:rPr lang="en-US" sz="1400" dirty="0" smtClean="0">
+              <a:rPr lang="en-US" sz="1400" dirty="0">
                 <a:solidFill>
                   <a:srgbClr val="FF00FF"/>
                 </a:solidFill>
               </a:rPr>
               <a:t>target=”router2”</a:t>
             </a:r>
-            <a:endParaRPr lang="en-US" sz="1400" dirty="0">
-              <a:solidFill>
-                <a:srgbClr val="FF00FF"/>
-              </a:solidFill>
-            </a:endParaRPr>
           </a:p>
         </p:txBody>
       </p:sp>
@@ -14611,13 +13850,6 @@
   <p:clrMapOvr>
     <a:masterClrMapping/>
   </p:clrMapOvr>
-  <p:timing>
-    <p:tnLst>
-      <p:par>
-        <p:cTn id="1" dur="indefinite" restart="never" nodeType="tmRoot"/>
-      </p:par>
-    </p:tnLst>
-  </p:timing>
 </p:sld>
 </file>
 
